--- a/2022/bicepoctopus/CombineAzureBicepandOctopusDeploy_Public.pptx
+++ b/2022/bicepoctopus/CombineAzureBicepandOctopusDeploy_Public.pptx
@@ -5,30 +5,25 @@
     <p:sldMasterId id="2147483648" r:id="rId1"/>
   </p:sldMasterIdLst>
   <p:notesMasterIdLst>
-    <p:notesMasterId r:id="rId23"/>
+    <p:notesMasterId r:id="rId18"/>
   </p:notesMasterIdLst>
   <p:sldIdLst>
     <p:sldId id="258" r:id="rId2"/>
     <p:sldId id="2076137964" r:id="rId3"/>
     <p:sldId id="2076137965" r:id="rId4"/>
-    <p:sldId id="2076137966" r:id="rId5"/>
-    <p:sldId id="2076137967" r:id="rId6"/>
-    <p:sldId id="269" r:id="rId7"/>
-    <p:sldId id="270" r:id="rId8"/>
-    <p:sldId id="2076137956" r:id="rId9"/>
-    <p:sldId id="2076137959" r:id="rId10"/>
-    <p:sldId id="2076137958" r:id="rId11"/>
-    <p:sldId id="261" r:id="rId12"/>
-    <p:sldId id="2076137968" r:id="rId13"/>
-    <p:sldId id="262" r:id="rId14"/>
-    <p:sldId id="263" r:id="rId15"/>
-    <p:sldId id="264" r:id="rId16"/>
-    <p:sldId id="265" r:id="rId17"/>
-    <p:sldId id="2076137960" r:id="rId18"/>
-    <p:sldId id="2076137962" r:id="rId19"/>
-    <p:sldId id="2076137963" r:id="rId20"/>
-    <p:sldId id="267" r:id="rId21"/>
-    <p:sldId id="268" r:id="rId22"/>
+    <p:sldId id="2076137967" r:id="rId5"/>
+    <p:sldId id="269" r:id="rId6"/>
+    <p:sldId id="270" r:id="rId7"/>
+    <p:sldId id="2076137956" r:id="rId8"/>
+    <p:sldId id="261" r:id="rId9"/>
+    <p:sldId id="2076137968" r:id="rId10"/>
+    <p:sldId id="262" r:id="rId11"/>
+    <p:sldId id="264" r:id="rId12"/>
+    <p:sldId id="2076137960" r:id="rId13"/>
+    <p:sldId id="2076137962" r:id="rId14"/>
+    <p:sldId id="2076137963" r:id="rId15"/>
+    <p:sldId id="267" r:id="rId16"/>
+    <p:sldId id="268" r:id="rId17"/>
   </p:sldIdLst>
   <p:sldSz cx="12192000" cy="6858000"/>
   <p:notesSz cx="6858000" cy="9144000"/>
@@ -139,7 +134,6 @@
           <p14:sldIdLst>
             <p14:sldId id="2076137964"/>
             <p14:sldId id="2076137965"/>
-            <p14:sldId id="2076137966"/>
             <p14:sldId id="2076137967"/>
           </p14:sldIdLst>
         </p14:section>
@@ -148,8 +142,6 @@
             <p14:sldId id="269"/>
             <p14:sldId id="270"/>
             <p14:sldId id="2076137956"/>
-            <p14:sldId id="2076137959"/>
-            <p14:sldId id="2076137958"/>
           </p14:sldIdLst>
         </p14:section>
         <p14:section name="Octopus Deploy" id="{72E6AB80-72F7-4642-80EF-99F81DEBE0F5}">
@@ -157,9 +149,7 @@
             <p14:sldId id="261"/>
             <p14:sldId id="2076137968"/>
             <p14:sldId id="262"/>
-            <p14:sldId id="263"/>
             <p14:sldId id="264"/>
-            <p14:sldId id="265"/>
             <p14:sldId id="2076137960"/>
             <p14:sldId id="2076137962"/>
             <p14:sldId id="2076137963"/>
@@ -2984,7 +2974,7 @@
           <a:p>
             <a:fld id="{DD56AD6E-3B3F-4D99-8809-0E48364B19A0}" type="datetimeFigureOut">
               <a:rPr lang="en-GB" smtClean="0"/>
-              <a:t>17/03/2022</a:t>
+              <a:t>22/03/2022</a:t>
             </a:fld>
             <a:endParaRPr lang="en-GB"/>
           </a:p>
@@ -3361,194 +3351,6 @@
 </p:notes>
 </file>
 
-<file path=ppt/notesSlides/notesSlide10.xml><?xml version="1.0" encoding="utf-8"?>
-<p:notes xmlns:a="http://schemas.openxmlformats.org/drawingml/2006/main" xmlns:r="http://schemas.openxmlformats.org/officeDocument/2006/relationships" xmlns:p="http://schemas.openxmlformats.org/presentationml/2006/main">
-  <p:cSld>
-    <p:spTree>
-      <p:nvGrpSpPr>
-        <p:cNvPr id="1" name=""/>
-        <p:cNvGrpSpPr/>
-        <p:nvPr/>
-      </p:nvGrpSpPr>
-      <p:grpSpPr>
-        <a:xfrm>
-          <a:off x="0" y="0"/>
-          <a:ext cx="0" cy="0"/>
-          <a:chOff x="0" y="0"/>
-          <a:chExt cx="0" cy="0"/>
-        </a:xfrm>
-      </p:grpSpPr>
-      <p:sp>
-        <p:nvSpPr>
-          <p:cNvPr id="2" name="Slide Image Placeholder 1"/>
-          <p:cNvSpPr>
-            <a:spLocks noGrp="1" noRot="1" noChangeAspect="1"/>
-          </p:cNvSpPr>
-          <p:nvPr>
-            <p:ph type="sldImg"/>
-          </p:nvPr>
-        </p:nvSpPr>
-        <p:spPr/>
-      </p:sp>
-      <p:sp>
-        <p:nvSpPr>
-          <p:cNvPr id="3" name="Notes Placeholder 2"/>
-          <p:cNvSpPr>
-            <a:spLocks noGrp="1"/>
-          </p:cNvSpPr>
-          <p:nvPr>
-            <p:ph type="body" idx="1"/>
-          </p:nvPr>
-        </p:nvSpPr>
-        <p:spPr/>
-        <p:txBody>
-          <a:bodyPr/>
-          <a:lstStyle/>
-          <a:p>
-            <a:endParaRPr lang="en-GB" dirty="0"/>
-          </a:p>
-        </p:txBody>
-      </p:sp>
-      <p:sp>
-        <p:nvSpPr>
-          <p:cNvPr id="4" name="Slide Number Placeholder 3"/>
-          <p:cNvSpPr>
-            <a:spLocks noGrp="1"/>
-          </p:cNvSpPr>
-          <p:nvPr>
-            <p:ph type="sldNum" sz="quarter" idx="5"/>
-          </p:nvPr>
-        </p:nvSpPr>
-        <p:spPr/>
-        <p:txBody>
-          <a:bodyPr/>
-          <a:lstStyle/>
-          <a:p>
-            <a:fld id="{23B81854-D03F-431F-A757-54573BAA8AF4}" type="slidenum">
-              <a:rPr lang="en-GB" smtClean="0"/>
-              <a:t>18</a:t>
-            </a:fld>
-            <a:endParaRPr lang="en-GB"/>
-          </a:p>
-        </p:txBody>
-      </p:sp>
-    </p:spTree>
-    <p:extLst>
-      <p:ext uri="{BB962C8B-B14F-4D97-AF65-F5344CB8AC3E}">
-        <p14:creationId xmlns:p14="http://schemas.microsoft.com/office/powerpoint/2010/main" val="1902645725"/>
-      </p:ext>
-    </p:extLst>
-  </p:cSld>
-  <p:clrMapOvr>
-    <a:masterClrMapping/>
-  </p:clrMapOvr>
-</p:notes>
-</file>
-
-<file path=ppt/notesSlides/notesSlide11.xml><?xml version="1.0" encoding="utf-8"?>
-<p:notes xmlns:a="http://schemas.openxmlformats.org/drawingml/2006/main" xmlns:r="http://schemas.openxmlformats.org/officeDocument/2006/relationships" xmlns:p="http://schemas.openxmlformats.org/presentationml/2006/main" showMasterSp="0" showMasterPhAnim="0">
-  <p:cSld>
-    <p:spTree>
-      <p:nvGrpSpPr>
-        <p:cNvPr id="1" name="Shape 141"/>
-        <p:cNvGrpSpPr/>
-        <p:nvPr/>
-      </p:nvGrpSpPr>
-      <p:grpSpPr>
-        <a:xfrm>
-          <a:off x="0" y="0"/>
-          <a:ext cx="0" cy="0"/>
-          <a:chOff x="0" y="0"/>
-          <a:chExt cx="0" cy="0"/>
-        </a:xfrm>
-      </p:grpSpPr>
-      <p:sp>
-        <p:nvSpPr>
-          <p:cNvPr id="142" name="Google Shape;142;g105d7291e2b_1_96:notes"/>
-          <p:cNvSpPr>
-            <a:spLocks noGrp="1" noRot="1" noChangeAspect="1"/>
-          </p:cNvSpPr>
-          <p:nvPr>
-            <p:ph type="sldImg" idx="2"/>
-          </p:nvPr>
-        </p:nvSpPr>
-        <p:spPr>
-          <a:xfrm>
-            <a:off x="381000" y="685800"/>
-            <a:ext cx="6096000" cy="3429000"/>
-          </a:xfrm>
-          <a:custGeom>
-            <a:avLst/>
-            <a:gdLst/>
-            <a:ahLst/>
-            <a:cxnLst/>
-            <a:rect l="l" t="t" r="r" b="b"/>
-            <a:pathLst>
-              <a:path w="120000" h="120000" extrusionOk="0">
-                <a:moveTo>
-                  <a:pt x="0" y="0"/>
-                </a:moveTo>
-                <a:lnTo>
-                  <a:pt x="120000" y="0"/>
-                </a:lnTo>
-                <a:lnTo>
-                  <a:pt x="120000" y="120000"/>
-                </a:lnTo>
-                <a:lnTo>
-                  <a:pt x="0" y="120000"/>
-                </a:lnTo>
-                <a:close/>
-              </a:path>
-            </a:pathLst>
-          </a:custGeom>
-        </p:spPr>
-      </p:sp>
-      <p:sp>
-        <p:nvSpPr>
-          <p:cNvPr id="143" name="Google Shape;143;g105d7291e2b_1_96:notes"/>
-          <p:cNvSpPr txBox="1">
-            <a:spLocks noGrp="1"/>
-          </p:cNvSpPr>
-          <p:nvPr>
-            <p:ph type="body" idx="1"/>
-          </p:nvPr>
-        </p:nvSpPr>
-        <p:spPr>
-          <a:xfrm>
-            <a:off x="685800" y="4343400"/>
-            <a:ext cx="5486400" cy="4114800"/>
-          </a:xfrm>
-          <a:prstGeom prst="rect">
-            <a:avLst/>
-          </a:prstGeom>
-        </p:spPr>
-        <p:txBody>
-          <a:bodyPr spcFirstLastPara="1" wrap="square" lIns="91425" tIns="91425" rIns="91425" bIns="91425" anchor="t" anchorCtr="0">
-            <a:noAutofit/>
-          </a:bodyPr>
-          <a:lstStyle/>
-          <a:p>
-            <a:pPr marL="0" lvl="0" indent="0" algn="l" rtl="0">
-              <a:spcBef>
-                <a:spcPts val="0"/>
-              </a:spcBef>
-              <a:spcAft>
-                <a:spcPts val="0"/>
-              </a:spcAft>
-              <a:buNone/>
-            </a:pPr>
-            <a:endParaRPr/>
-          </a:p>
-        </p:txBody>
-      </p:sp>
-    </p:spTree>
-  </p:cSld>
-  <p:clrMapOvr>
-    <a:masterClrMapping/>
-  </p:clrMapOvr>
-</p:notes>
-</file>
-
 <file path=ppt/notesSlides/notesSlide2.xml><?xml version="1.0" encoding="utf-8"?>
 <p:notes xmlns:a="http://schemas.openxmlformats.org/drawingml/2006/main" xmlns:r="http://schemas.openxmlformats.org/officeDocument/2006/relationships" xmlns:p="http://schemas.openxmlformats.org/presentationml/2006/main">
   <p:cSld>
@@ -3791,7 +3593,7 @@
     </p:spTree>
     <p:extLst>
       <p:ext uri="{BB962C8B-B14F-4D97-AF65-F5344CB8AC3E}">
-        <p14:creationId xmlns:p14="http://schemas.microsoft.com/office/powerpoint/2010/main" val="3402139294"/>
+        <p14:creationId xmlns:p14="http://schemas.microsoft.com/office/powerpoint/2010/main" val="2359763226"/>
       </p:ext>
     </p:extLst>
   </p:cSld>
@@ -3802,90 +3604,6 @@
 </file>
 
 <file path=ppt/notesSlides/notesSlide5.xml><?xml version="1.0" encoding="utf-8"?>
-<p:notes xmlns:a="http://schemas.openxmlformats.org/drawingml/2006/main" xmlns:r="http://schemas.openxmlformats.org/officeDocument/2006/relationships" xmlns:p="http://schemas.openxmlformats.org/presentationml/2006/main">
-  <p:cSld>
-    <p:spTree>
-      <p:nvGrpSpPr>
-        <p:cNvPr id="1" name=""/>
-        <p:cNvGrpSpPr/>
-        <p:nvPr/>
-      </p:nvGrpSpPr>
-      <p:grpSpPr>
-        <a:xfrm>
-          <a:off x="0" y="0"/>
-          <a:ext cx="0" cy="0"/>
-          <a:chOff x="0" y="0"/>
-          <a:chExt cx="0" cy="0"/>
-        </a:xfrm>
-      </p:grpSpPr>
-      <p:sp>
-        <p:nvSpPr>
-          <p:cNvPr id="2" name="Slide Image Placeholder 1"/>
-          <p:cNvSpPr>
-            <a:spLocks noGrp="1" noRot="1" noChangeAspect="1"/>
-          </p:cNvSpPr>
-          <p:nvPr>
-            <p:ph type="sldImg"/>
-          </p:nvPr>
-        </p:nvSpPr>
-        <p:spPr/>
-      </p:sp>
-      <p:sp>
-        <p:nvSpPr>
-          <p:cNvPr id="3" name="Notes Placeholder 2"/>
-          <p:cNvSpPr>
-            <a:spLocks noGrp="1"/>
-          </p:cNvSpPr>
-          <p:nvPr>
-            <p:ph type="body" idx="1"/>
-          </p:nvPr>
-        </p:nvSpPr>
-        <p:spPr/>
-        <p:txBody>
-          <a:bodyPr/>
-          <a:lstStyle/>
-          <a:p>
-            <a:endParaRPr lang="en-GB" dirty="0"/>
-          </a:p>
-        </p:txBody>
-      </p:sp>
-      <p:sp>
-        <p:nvSpPr>
-          <p:cNvPr id="4" name="Slide Number Placeholder 3"/>
-          <p:cNvSpPr>
-            <a:spLocks noGrp="1"/>
-          </p:cNvSpPr>
-          <p:nvPr>
-            <p:ph type="sldNum" sz="quarter" idx="5"/>
-          </p:nvPr>
-        </p:nvSpPr>
-        <p:spPr/>
-        <p:txBody>
-          <a:bodyPr/>
-          <a:lstStyle/>
-          <a:p>
-            <a:fld id="{23B81854-D03F-431F-A757-54573BAA8AF4}" type="slidenum">
-              <a:rPr lang="en-GB" smtClean="0"/>
-              <a:t>5</a:t>
-            </a:fld>
-            <a:endParaRPr lang="en-GB"/>
-          </a:p>
-        </p:txBody>
-      </p:sp>
-    </p:spTree>
-    <p:extLst>
-      <p:ext uri="{BB962C8B-B14F-4D97-AF65-F5344CB8AC3E}">
-        <p14:creationId xmlns:p14="http://schemas.microsoft.com/office/powerpoint/2010/main" val="2359763226"/>
-      </p:ext>
-    </p:extLst>
-  </p:cSld>
-  <p:clrMapOvr>
-    <a:masterClrMapping/>
-  </p:clrMapOvr>
-</p:notes>
-</file>
-
-<file path=ppt/notesSlides/notesSlide6.xml><?xml version="1.0" encoding="utf-8"?>
 <p:notes xmlns:a="http://schemas.openxmlformats.org/drawingml/2006/main" xmlns:r="http://schemas.openxmlformats.org/officeDocument/2006/relationships" xmlns:p="http://schemas.openxmlformats.org/presentationml/2006/main">
   <p:cSld>
     <p:spTree>
@@ -4014,7 +3732,7 @@
                 <a:tabLst/>
                 <a:defRPr/>
               </a:pPr>
-              <a:t>8</a:t>
+              <a:t>7</a:t>
             </a:fld>
             <a:endParaRPr kumimoji="0" lang="en-US" sz="1200" b="0" i="0" u="none" strike="noStrike" kern="1200" cap="none" spc="0" normalizeH="0" baseline="0" noProof="0">
               <a:ln>
@@ -4037,6 +3755,90 @@
     <p:extLst>
       <p:ext uri="{BB962C8B-B14F-4D97-AF65-F5344CB8AC3E}">
         <p14:creationId xmlns:p14="http://schemas.microsoft.com/office/powerpoint/2010/main" val="1103415418"/>
+      </p:ext>
+    </p:extLst>
+  </p:cSld>
+  <p:clrMapOvr>
+    <a:masterClrMapping/>
+  </p:clrMapOvr>
+</p:notes>
+</file>
+
+<file path=ppt/notesSlides/notesSlide6.xml><?xml version="1.0" encoding="utf-8"?>
+<p:notes xmlns:a="http://schemas.openxmlformats.org/drawingml/2006/main" xmlns:r="http://schemas.openxmlformats.org/officeDocument/2006/relationships" xmlns:p="http://schemas.openxmlformats.org/presentationml/2006/main">
+  <p:cSld>
+    <p:spTree>
+      <p:nvGrpSpPr>
+        <p:cNvPr id="1" name=""/>
+        <p:cNvGrpSpPr/>
+        <p:nvPr/>
+      </p:nvGrpSpPr>
+      <p:grpSpPr>
+        <a:xfrm>
+          <a:off x="0" y="0"/>
+          <a:ext cx="0" cy="0"/>
+          <a:chOff x="0" y="0"/>
+          <a:chExt cx="0" cy="0"/>
+        </a:xfrm>
+      </p:grpSpPr>
+      <p:sp>
+        <p:nvSpPr>
+          <p:cNvPr id="2" name="Slide Image Placeholder 1"/>
+          <p:cNvSpPr>
+            <a:spLocks noGrp="1" noRot="1" noChangeAspect="1"/>
+          </p:cNvSpPr>
+          <p:nvPr>
+            <p:ph type="sldImg"/>
+          </p:nvPr>
+        </p:nvSpPr>
+        <p:spPr/>
+      </p:sp>
+      <p:sp>
+        <p:nvSpPr>
+          <p:cNvPr id="3" name="Notes Placeholder 2"/>
+          <p:cNvSpPr>
+            <a:spLocks noGrp="1"/>
+          </p:cNvSpPr>
+          <p:nvPr>
+            <p:ph type="body" idx="1"/>
+          </p:nvPr>
+        </p:nvSpPr>
+        <p:spPr/>
+        <p:txBody>
+          <a:bodyPr/>
+          <a:lstStyle/>
+          <a:p>
+            <a:endParaRPr lang="en-GB" dirty="0"/>
+          </a:p>
+        </p:txBody>
+      </p:sp>
+      <p:sp>
+        <p:nvSpPr>
+          <p:cNvPr id="4" name="Slide Number Placeholder 3"/>
+          <p:cNvSpPr>
+            <a:spLocks noGrp="1"/>
+          </p:cNvSpPr>
+          <p:nvPr>
+            <p:ph type="sldNum" sz="quarter" idx="5"/>
+          </p:nvPr>
+        </p:nvSpPr>
+        <p:spPr/>
+        <p:txBody>
+          <a:bodyPr/>
+          <a:lstStyle/>
+          <a:p>
+            <a:fld id="{AED1DFFF-1951-4161-A961-D47547C18442}" type="slidenum">
+              <a:rPr lang="en-GB" smtClean="0"/>
+              <a:t>9</a:t>
+            </a:fld>
+            <a:endParaRPr lang="en-GB"/>
+          </a:p>
+        </p:txBody>
+      </p:sp>
+    </p:spTree>
+    <p:extLst>
+      <p:ext uri="{BB962C8B-B14F-4D97-AF65-F5344CB8AC3E}">
+        <p14:creationId xmlns:p14="http://schemas.microsoft.com/office/powerpoint/2010/main" val="2808929868"/>
       </p:ext>
     </p:extLst>
   </p:cSld>
@@ -4111,7 +3913,7 @@
           <a:p>
             <a:fld id="{23B81854-D03F-431F-A757-54573BAA8AF4}" type="slidenum">
               <a:rPr lang="en-GB" smtClean="0"/>
-              <a:t>10</a:t>
+              <a:t>13</a:t>
             </a:fld>
             <a:endParaRPr lang="en-GB"/>
           </a:p>
@@ -4120,7 +3922,7 @@
     </p:spTree>
     <p:extLst>
       <p:ext uri="{BB962C8B-B14F-4D97-AF65-F5344CB8AC3E}">
-        <p14:creationId xmlns:p14="http://schemas.microsoft.com/office/powerpoint/2010/main" val="445872001"/>
+        <p14:creationId xmlns:p14="http://schemas.microsoft.com/office/powerpoint/2010/main" val="1902645725"/>
       </p:ext>
     </p:extLst>
   </p:cSld>
@@ -4131,11 +3933,11 @@
 </file>
 
 <file path=ppt/notesSlides/notesSlide8.xml><?xml version="1.0" encoding="utf-8"?>
-<p:notes xmlns:a="http://schemas.openxmlformats.org/drawingml/2006/main" xmlns:r="http://schemas.openxmlformats.org/officeDocument/2006/relationships" xmlns:p="http://schemas.openxmlformats.org/presentationml/2006/main">
+<p:notes xmlns:a="http://schemas.openxmlformats.org/drawingml/2006/main" xmlns:r="http://schemas.openxmlformats.org/officeDocument/2006/relationships" xmlns:p="http://schemas.openxmlformats.org/presentationml/2006/main" showMasterSp="0" showMasterPhAnim="0">
   <p:cSld>
     <p:spTree>
       <p:nvGrpSpPr>
-        <p:cNvPr id="1" name=""/>
+        <p:cNvPr id="1" name="Shape 141"/>
         <p:cNvGrpSpPr/>
         <p:nvPr/>
       </p:nvGrpSpPr>
@@ -4149,148 +3951,84 @@
       </p:grpSpPr>
       <p:sp>
         <p:nvSpPr>
-          <p:cNvPr id="2" name="Slide Image Placeholder 1"/>
+          <p:cNvPr id="142" name="Google Shape;142;g105d7291e2b_1_96:notes"/>
           <p:cNvSpPr>
             <a:spLocks noGrp="1" noRot="1" noChangeAspect="1"/>
           </p:cNvSpPr>
           <p:nvPr>
-            <p:ph type="sldImg"/>
+            <p:ph type="sldImg" idx="2"/>
           </p:nvPr>
         </p:nvSpPr>
-        <p:spPr/>
+        <p:spPr>
+          <a:xfrm>
+            <a:off x="381000" y="685800"/>
+            <a:ext cx="6096000" cy="3429000"/>
+          </a:xfrm>
+          <a:custGeom>
+            <a:avLst/>
+            <a:gdLst/>
+            <a:ahLst/>
+            <a:cxnLst/>
+            <a:rect l="l" t="t" r="r" b="b"/>
+            <a:pathLst>
+              <a:path w="120000" h="120000" extrusionOk="0">
+                <a:moveTo>
+                  <a:pt x="0" y="0"/>
+                </a:moveTo>
+                <a:lnTo>
+                  <a:pt x="120000" y="0"/>
+                </a:lnTo>
+                <a:lnTo>
+                  <a:pt x="120000" y="120000"/>
+                </a:lnTo>
+                <a:lnTo>
+                  <a:pt x="0" y="120000"/>
+                </a:lnTo>
+                <a:close/>
+              </a:path>
+            </a:pathLst>
+          </a:custGeom>
+        </p:spPr>
       </p:sp>
       <p:sp>
         <p:nvSpPr>
-          <p:cNvPr id="3" name="Notes Placeholder 2"/>
-          <p:cNvSpPr>
+          <p:cNvPr id="143" name="Google Shape;143;g105d7291e2b_1_96:notes"/>
+          <p:cNvSpPr txBox="1">
             <a:spLocks noGrp="1"/>
           </p:cNvSpPr>
           <p:nvPr>
             <p:ph type="body" idx="1"/>
           </p:nvPr>
         </p:nvSpPr>
-        <p:spPr/>
+        <p:spPr>
+          <a:xfrm>
+            <a:off x="685800" y="4343400"/>
+            <a:ext cx="5486400" cy="4114800"/>
+          </a:xfrm>
+          <a:prstGeom prst="rect">
+            <a:avLst/>
+          </a:prstGeom>
+        </p:spPr>
         <p:txBody>
-          <a:bodyPr/>
+          <a:bodyPr spcFirstLastPara="1" wrap="square" lIns="91425" tIns="91425" rIns="91425" bIns="91425" anchor="t" anchorCtr="0">
+            <a:noAutofit/>
+          </a:bodyPr>
           <a:lstStyle/>
           <a:p>
-            <a:endParaRPr lang="en-GB" dirty="0"/>
-          </a:p>
-        </p:txBody>
-      </p:sp>
-      <p:sp>
-        <p:nvSpPr>
-          <p:cNvPr id="4" name="Slide Number Placeholder 3"/>
-          <p:cNvSpPr>
-            <a:spLocks noGrp="1"/>
-          </p:cNvSpPr>
-          <p:nvPr>
-            <p:ph type="sldNum" sz="quarter" idx="5"/>
-          </p:nvPr>
-        </p:nvSpPr>
-        <p:spPr/>
-        <p:txBody>
-          <a:bodyPr/>
-          <a:lstStyle/>
-          <a:p>
-            <a:fld id="{AED1DFFF-1951-4161-A961-D47547C18442}" type="slidenum">
-              <a:rPr lang="en-GB" smtClean="0"/>
-              <a:t>12</a:t>
-            </a:fld>
-            <a:endParaRPr lang="en-GB"/>
+            <a:pPr marL="0" lvl="0" indent="0" algn="l" rtl="0">
+              <a:spcBef>
+                <a:spcPts val="0"/>
+              </a:spcBef>
+              <a:spcAft>
+                <a:spcPts val="0"/>
+              </a:spcAft>
+              <a:buNone/>
+            </a:pPr>
+            <a:endParaRPr/>
           </a:p>
         </p:txBody>
       </p:sp>
     </p:spTree>
-    <p:extLst>
-      <p:ext uri="{BB962C8B-B14F-4D97-AF65-F5344CB8AC3E}">
-        <p14:creationId xmlns:p14="http://schemas.microsoft.com/office/powerpoint/2010/main" val="2808929868"/>
-      </p:ext>
-    </p:extLst>
-  </p:cSld>
-  <p:clrMapOvr>
-    <a:masterClrMapping/>
-  </p:clrMapOvr>
-</p:notes>
-</file>
-
-<file path=ppt/notesSlides/notesSlide9.xml><?xml version="1.0" encoding="utf-8"?>
-<p:notes xmlns:a="http://schemas.openxmlformats.org/drawingml/2006/main" xmlns:r="http://schemas.openxmlformats.org/officeDocument/2006/relationships" xmlns:p="http://schemas.openxmlformats.org/presentationml/2006/main">
-  <p:cSld>
-    <p:spTree>
-      <p:nvGrpSpPr>
-        <p:cNvPr id="1" name=""/>
-        <p:cNvGrpSpPr/>
-        <p:nvPr/>
-      </p:nvGrpSpPr>
-      <p:grpSpPr>
-        <a:xfrm>
-          <a:off x="0" y="0"/>
-          <a:ext cx="0" cy="0"/>
-          <a:chOff x="0" y="0"/>
-          <a:chExt cx="0" cy="0"/>
-        </a:xfrm>
-      </p:grpSpPr>
-      <p:sp>
-        <p:nvSpPr>
-          <p:cNvPr id="2" name="Slide Image Placeholder 1"/>
-          <p:cNvSpPr>
-            <a:spLocks noGrp="1" noRot="1" noChangeAspect="1"/>
-          </p:cNvSpPr>
-          <p:nvPr>
-            <p:ph type="sldImg"/>
-          </p:nvPr>
-        </p:nvSpPr>
-        <p:spPr/>
-      </p:sp>
-      <p:sp>
-        <p:nvSpPr>
-          <p:cNvPr id="3" name="Notes Placeholder 2"/>
-          <p:cNvSpPr>
-            <a:spLocks noGrp="1"/>
-          </p:cNvSpPr>
-          <p:nvPr>
-            <p:ph type="body" idx="1"/>
-          </p:nvPr>
-        </p:nvSpPr>
-        <p:spPr/>
-        <p:txBody>
-          <a:bodyPr/>
-          <a:lstStyle/>
-          <a:p>
-            <a:endParaRPr lang="en-GB" dirty="0"/>
-          </a:p>
-        </p:txBody>
-      </p:sp>
-      <p:sp>
-        <p:nvSpPr>
-          <p:cNvPr id="4" name="Slide Number Placeholder 3"/>
-          <p:cNvSpPr>
-            <a:spLocks noGrp="1"/>
-          </p:cNvSpPr>
-          <p:nvPr>
-            <p:ph type="sldNum" sz="quarter" idx="5"/>
-          </p:nvPr>
-        </p:nvSpPr>
-        <p:spPr/>
-        <p:txBody>
-          <a:bodyPr/>
-          <a:lstStyle/>
-          <a:p>
-            <a:fld id="{19E36E94-0B6B-4AC4-8EDB-B4629D844952}" type="slidenum">
-              <a:rPr lang="en-GB" smtClean="0"/>
-              <a:t>14</a:t>
-            </a:fld>
-            <a:endParaRPr lang="en-GB"/>
-          </a:p>
-        </p:txBody>
-      </p:sp>
-    </p:spTree>
-    <p:extLst>
-      <p:ext uri="{BB962C8B-B14F-4D97-AF65-F5344CB8AC3E}">
-        <p14:creationId xmlns:p14="http://schemas.microsoft.com/office/powerpoint/2010/main" val="2731277720"/>
-      </p:ext>
-    </p:extLst>
   </p:cSld>
   <p:clrMapOvr>
     <a:masterClrMapping/>
@@ -5440,7 +5178,7 @@
           <a:p>
             <a:fld id="{7C8F20D5-5156-418B-A693-595CF15B7612}" type="datetimeFigureOut">
               <a:rPr lang="en-GB" smtClean="0"/>
-              <a:t>17/03/2022</a:t>
+              <a:t>22/03/2022</a:t>
             </a:fld>
             <a:endParaRPr lang="en-GB"/>
           </a:p>
@@ -5899,7 +5637,7 @@
           <a:p>
             <a:fld id="{7C8F20D5-5156-418B-A693-595CF15B7612}" type="datetimeFigureOut">
               <a:rPr lang="en-GB" smtClean="0"/>
-              <a:t>17/03/2022</a:t>
+              <a:t>22/03/2022</a:t>
             </a:fld>
             <a:endParaRPr lang="en-GB"/>
           </a:p>
@@ -6539,573 +6277,6 @@
           <p:cNvPr id="3" name="Title 2">
             <a:extLst>
               <a:ext uri="{FF2B5EF4-FFF2-40B4-BE49-F238E27FC236}">
-                <a16:creationId xmlns:a16="http://schemas.microsoft.com/office/drawing/2014/main" id="{BC4D3C3B-930D-446A-A7F9-9056E9B076B0}"/>
-              </a:ext>
-            </a:extLst>
-          </p:cNvPr>
-          <p:cNvSpPr>
-            <a:spLocks noGrp="1"/>
-          </p:cNvSpPr>
-          <p:nvPr>
-            <p:ph type="title"/>
-          </p:nvPr>
-        </p:nvSpPr>
-        <p:spPr/>
-        <p:txBody>
-          <a:bodyPr>
-            <a:normAutofit/>
-          </a:bodyPr>
-          <a:lstStyle/>
-          <a:p>
-            <a:pPr algn="l"/>
-            <a:r>
-              <a:rPr lang="en-GB" sz="4200" dirty="0">
-                <a:latin typeface="Roboto" panose="02000000000000000000" pitchFamily="2" charset="0"/>
-                <a:ea typeface="Roboto" panose="02000000000000000000" pitchFamily="2" charset="0"/>
-              </a:rPr>
-              <a:t>When is Azure Bicep not the right tool?</a:t>
-            </a:r>
-          </a:p>
-        </p:txBody>
-      </p:sp>
-      <p:sp>
-        <p:nvSpPr>
-          <p:cNvPr id="2" name="TextBox 1">
-            <a:extLst>
-              <a:ext uri="{FF2B5EF4-FFF2-40B4-BE49-F238E27FC236}">
-                <a16:creationId xmlns:a16="http://schemas.microsoft.com/office/drawing/2014/main" id="{38759F9C-8B26-4A5B-A044-9D089857B7C0}"/>
-              </a:ext>
-            </a:extLst>
-          </p:cNvPr>
-          <p:cNvSpPr txBox="1"/>
-          <p:nvPr/>
-        </p:nvSpPr>
-        <p:spPr>
-          <a:xfrm>
-            <a:off x="584067" y="2551837"/>
-            <a:ext cx="5227879" cy="2246769"/>
-          </a:xfrm>
-          <a:prstGeom prst="rect">
-            <a:avLst/>
-          </a:prstGeom>
-          <a:noFill/>
-        </p:spPr>
-        <p:txBody>
-          <a:bodyPr wrap="square" rtlCol="0">
-            <a:spAutoFit/>
-          </a:bodyPr>
-          <a:lstStyle/>
-          <a:p>
-            <a:r>
-              <a:rPr lang="en-GB" sz="2000" b="1" dirty="0">
-                <a:latin typeface="Roboto" panose="02000000000000000000" pitchFamily="2" charset="0"/>
-                <a:ea typeface="Roboto" panose="02000000000000000000" pitchFamily="2" charset="0"/>
-              </a:rPr>
-              <a:t>Existing tool set: </a:t>
-            </a:r>
-            <a:r>
-              <a:rPr lang="en-GB" sz="2000" dirty="0">
-                <a:latin typeface="Roboto" panose="02000000000000000000" pitchFamily="2" charset="0"/>
-                <a:ea typeface="Roboto" panose="02000000000000000000" pitchFamily="2" charset="0"/>
-              </a:rPr>
-              <a:t>Sometimes it make sense to use existing financial and knowledge investments. </a:t>
-            </a:r>
-          </a:p>
-          <a:p>
-            <a:endParaRPr lang="en-GB" sz="2000" dirty="0">
-              <a:latin typeface="Roboto" panose="02000000000000000000" pitchFamily="2" charset="0"/>
-              <a:ea typeface="Roboto" panose="02000000000000000000" pitchFamily="2" charset="0"/>
-            </a:endParaRPr>
-          </a:p>
-          <a:p>
-            <a:r>
-              <a:rPr lang="en-GB" sz="2000" b="1" dirty="0">
-                <a:latin typeface="Roboto" panose="02000000000000000000" pitchFamily="2" charset="0"/>
-                <a:ea typeface="Roboto" panose="02000000000000000000" pitchFamily="2" charset="0"/>
-              </a:rPr>
-              <a:t>Multi-cloud: </a:t>
-            </a:r>
-            <a:r>
-              <a:rPr lang="en-GB" sz="2000" dirty="0">
-                <a:latin typeface="Roboto" panose="02000000000000000000" pitchFamily="2" charset="0"/>
-                <a:ea typeface="Roboto" panose="02000000000000000000" pitchFamily="2" charset="0"/>
-              </a:rPr>
-              <a:t>Other cloud providers don’t support Azure Bicep as a template language. </a:t>
-            </a:r>
-          </a:p>
-        </p:txBody>
-      </p:sp>
-      <p:grpSp>
-        <p:nvGrpSpPr>
-          <p:cNvPr id="11" name="Group 10">
-            <a:extLst>
-              <a:ext uri="{FF2B5EF4-FFF2-40B4-BE49-F238E27FC236}">
-                <a16:creationId xmlns:a16="http://schemas.microsoft.com/office/drawing/2014/main" id="{AB1BFA05-346D-49E3-B4C0-7C804E1D171D}"/>
-              </a:ext>
-            </a:extLst>
-          </p:cNvPr>
-          <p:cNvGrpSpPr/>
-          <p:nvPr/>
-        </p:nvGrpSpPr>
-        <p:grpSpPr>
-          <a:xfrm>
-            <a:off x="6582723" y="2417654"/>
-            <a:ext cx="4926270" cy="2257438"/>
-            <a:chOff x="6515699" y="2336267"/>
-            <a:chExt cx="4926270" cy="2257438"/>
-          </a:xfrm>
-        </p:grpSpPr>
-        <p:pic>
-          <p:nvPicPr>
-            <p:cNvPr id="8" name="New picture" descr="Comparison showing Bicep code on the left and the corresponding JSON code on the right.">
-              <a:extLst>
-                <a:ext uri="{FF2B5EF4-FFF2-40B4-BE49-F238E27FC236}">
-                  <a16:creationId xmlns:a16="http://schemas.microsoft.com/office/drawing/2014/main" id="{794A1836-C3AF-4052-971E-29EF78DEE745}"/>
-                </a:ext>
-              </a:extLst>
-            </p:cNvPr>
-            <p:cNvPicPr/>
-            <p:nvPr/>
-          </p:nvPicPr>
-          <p:blipFill rotWithShape="1">
-            <a:blip r:embed="rId3"/>
-            <a:srcRect r="55495" b="59237"/>
-            <a:stretch/>
-          </p:blipFill>
-          <p:spPr>
-            <a:xfrm>
-              <a:off x="6515699" y="2336267"/>
-              <a:ext cx="4926270" cy="2257438"/>
-            </a:xfrm>
-            <a:prstGeom prst="rect">
-              <a:avLst/>
-            </a:prstGeom>
-            <a:effectLst>
-              <a:outerShdw blurRad="50800" dist="38100" dir="5400000" algn="t" rotWithShape="0">
-                <a:prstClr val="black">
-                  <a:alpha val="40000"/>
-                </a:prstClr>
-              </a:outerShdw>
-            </a:effectLst>
-          </p:spPr>
-        </p:pic>
-        <p:pic>
-          <p:nvPicPr>
-            <p:cNvPr id="10" name="Graphic 9" descr="No sign with solid fill">
-              <a:extLst>
-                <a:ext uri="{FF2B5EF4-FFF2-40B4-BE49-F238E27FC236}">
-                  <a16:creationId xmlns:a16="http://schemas.microsoft.com/office/drawing/2014/main" id="{6CCE65F4-9E74-4214-AA09-9A8634688543}"/>
-                </a:ext>
-              </a:extLst>
-            </p:cNvPr>
-            <p:cNvPicPr>
-              <a:picLocks noChangeAspect="1"/>
-            </p:cNvPicPr>
-            <p:nvPr/>
-          </p:nvPicPr>
-          <p:blipFill>
-            <a:blip r:embed="rId4">
-              <a:extLst>
-                <a:ext uri="{28A0092B-C50C-407E-A947-70E740481C1C}">
-                  <a14:useLocalDpi xmlns:a14="http://schemas.microsoft.com/office/drawing/2010/main" val="0"/>
-                </a:ext>
-                <a:ext uri="{96DAC541-7B7A-43D3-8B79-37D633B846F1}">
-                  <asvg:svgBlip xmlns:asvg="http://schemas.microsoft.com/office/drawing/2016/SVG/main" r:embed="rId5"/>
-                </a:ext>
-              </a:extLst>
-            </a:blip>
-            <a:stretch>
-              <a:fillRect/>
-            </a:stretch>
-          </p:blipFill>
-          <p:spPr>
-            <a:xfrm>
-              <a:off x="8176938" y="2665803"/>
-              <a:ext cx="1526394" cy="1526394"/>
-            </a:xfrm>
-            <a:prstGeom prst="rect">
-              <a:avLst/>
-            </a:prstGeom>
-            <a:effectLst>
-              <a:outerShdw blurRad="50800" dist="38100" dir="2700000" algn="tl" rotWithShape="0">
-                <a:prstClr val="black">
-                  <a:alpha val="40000"/>
-                </a:prstClr>
-              </a:outerShdw>
-            </a:effectLst>
-          </p:spPr>
-        </p:pic>
-      </p:grpSp>
-    </p:spTree>
-    <p:extLst>
-      <p:ext uri="{BB962C8B-B14F-4D97-AF65-F5344CB8AC3E}">
-        <p14:creationId xmlns:p14="http://schemas.microsoft.com/office/powerpoint/2010/main" val="2394625380"/>
-      </p:ext>
-    </p:extLst>
-  </p:cSld>
-  <p:clrMapOvr>
-    <a:masterClrMapping/>
-  </p:clrMapOvr>
-  <mc:AlternateContent xmlns:mc="http://schemas.openxmlformats.org/markup-compatibility/2006" xmlns:p159="http://schemas.microsoft.com/office/powerpoint/2015/09/main">
-    <mc:Choice Requires="p159">
-      <p:transition xmlns:p14="http://schemas.microsoft.com/office/powerpoint/2010/main" spd="slow" p14:dur="2000">
-        <p159:morph option="byObject"/>
-      </p:transition>
-    </mc:Choice>
-    <mc:Fallback xmlns="">
-      <p:transition spd="slow">
-        <p:fade/>
-      </p:transition>
-    </mc:Fallback>
-  </mc:AlternateContent>
-</p:sld>
-</file>
-
-<file path=ppt/slides/slide11.xml><?xml version="1.0" encoding="utf-8"?>
-<p:sld xmlns:a="http://schemas.openxmlformats.org/drawingml/2006/main" xmlns:r="http://schemas.openxmlformats.org/officeDocument/2006/relationships" xmlns:p="http://schemas.openxmlformats.org/presentationml/2006/main">
-  <p:cSld>
-    <p:bg>
-      <p:bgPr>
-        <a:solidFill>
-          <a:srgbClr val="0D80D8"/>
-        </a:solidFill>
-        <a:effectLst/>
-      </p:bgPr>
-    </p:bg>
-    <p:spTree>
-      <p:nvGrpSpPr>
-        <p:cNvPr id="1" name=""/>
-        <p:cNvGrpSpPr/>
-        <p:nvPr/>
-      </p:nvGrpSpPr>
-      <p:grpSpPr>
-        <a:xfrm>
-          <a:off x="0" y="0"/>
-          <a:ext cx="0" cy="0"/>
-          <a:chOff x="0" y="0"/>
-          <a:chExt cx="0" cy="0"/>
-        </a:xfrm>
-      </p:grpSpPr>
-      <p:sp>
-        <p:nvSpPr>
-          <p:cNvPr id="3" name="Title 2">
-            <a:extLst>
-              <a:ext uri="{FF2B5EF4-FFF2-40B4-BE49-F238E27FC236}">
-                <a16:creationId xmlns:a16="http://schemas.microsoft.com/office/drawing/2014/main" id="{F47F6250-0C5D-4E5C-A921-40B7B2345F53}"/>
-              </a:ext>
-            </a:extLst>
-          </p:cNvPr>
-          <p:cNvSpPr>
-            <a:spLocks noGrp="1"/>
-          </p:cNvSpPr>
-          <p:nvPr>
-            <p:ph type="ctrTitle"/>
-          </p:nvPr>
-        </p:nvSpPr>
-        <p:spPr>
-          <a:xfrm>
-            <a:off x="0" y="2552053"/>
-            <a:ext cx="12191999" cy="1177513"/>
-          </a:xfrm>
-        </p:spPr>
-        <p:txBody>
-          <a:bodyPr>
-            <a:noAutofit/>
-          </a:bodyPr>
-          <a:lstStyle/>
-          <a:p>
-            <a:r>
-              <a:rPr lang="en-GB" sz="4200" dirty="0">
-                <a:latin typeface="Roboto" panose="02000000000000000000" pitchFamily="2" charset="0"/>
-                <a:ea typeface="Roboto" panose="02000000000000000000" pitchFamily="2" charset="0"/>
-              </a:rPr>
-              <a:t>What is Octopus Deploy?</a:t>
-            </a:r>
-          </a:p>
-        </p:txBody>
-      </p:sp>
-    </p:spTree>
-    <p:extLst>
-      <p:ext uri="{BB962C8B-B14F-4D97-AF65-F5344CB8AC3E}">
-        <p14:creationId xmlns:p14="http://schemas.microsoft.com/office/powerpoint/2010/main" val="1839734832"/>
-      </p:ext>
-    </p:extLst>
-  </p:cSld>
-  <p:clrMapOvr>
-    <a:masterClrMapping/>
-  </p:clrMapOvr>
-  <mc:AlternateContent xmlns:mc="http://schemas.openxmlformats.org/markup-compatibility/2006" xmlns:p159="http://schemas.microsoft.com/office/powerpoint/2015/09/main">
-    <mc:Choice Requires="p159">
-      <p:transition xmlns:p14="http://schemas.microsoft.com/office/powerpoint/2010/main" spd="slow" p14:dur="2000">
-        <p159:morph option="byObject"/>
-      </p:transition>
-    </mc:Choice>
-    <mc:Fallback xmlns="">
-      <p:transition spd="slow">
-        <p:fade/>
-      </p:transition>
-    </mc:Fallback>
-  </mc:AlternateContent>
-</p:sld>
-</file>
-
-<file path=ppt/slides/slide12.xml><?xml version="1.0" encoding="utf-8"?>
-<p:sld xmlns:a="http://schemas.openxmlformats.org/drawingml/2006/main" xmlns:r="http://schemas.openxmlformats.org/officeDocument/2006/relationships" xmlns:p="http://schemas.openxmlformats.org/presentationml/2006/main">
-  <p:cSld>
-    <p:spTree>
-      <p:nvGrpSpPr>
-        <p:cNvPr id="1" name=""/>
-        <p:cNvGrpSpPr/>
-        <p:nvPr/>
-      </p:nvGrpSpPr>
-      <p:grpSpPr>
-        <a:xfrm>
-          <a:off x="0" y="0"/>
-          <a:ext cx="0" cy="0"/>
-          <a:chOff x="0" y="0"/>
-          <a:chExt cx="0" cy="0"/>
-        </a:xfrm>
-      </p:grpSpPr>
-      <p:sp>
-        <p:nvSpPr>
-          <p:cNvPr id="3" name="Title 2">
-            <a:extLst>
-              <a:ext uri="{FF2B5EF4-FFF2-40B4-BE49-F238E27FC236}">
-                <a16:creationId xmlns:a16="http://schemas.microsoft.com/office/drawing/2014/main" id="{56119CF4-05A2-49A0-836B-E32F441AA73E}"/>
-              </a:ext>
-            </a:extLst>
-          </p:cNvPr>
-          <p:cNvSpPr>
-            <a:spLocks noGrp="1"/>
-          </p:cNvSpPr>
-          <p:nvPr>
-            <p:ph type="title"/>
-          </p:nvPr>
-        </p:nvSpPr>
-        <p:spPr/>
-        <p:txBody>
-          <a:bodyPr>
-            <a:normAutofit/>
-          </a:bodyPr>
-          <a:lstStyle/>
-          <a:p>
-            <a:pPr algn="l"/>
-            <a:r>
-              <a:rPr lang="en-GB" sz="4200" dirty="0">
-                <a:latin typeface="Roboto" panose="02000000000000000000" pitchFamily="2" charset="0"/>
-                <a:ea typeface="Roboto" panose="02000000000000000000" pitchFamily="2" charset="0"/>
-              </a:rPr>
-              <a:t>What is Octopus Deploy?</a:t>
-            </a:r>
-          </a:p>
-        </p:txBody>
-      </p:sp>
-      <p:sp>
-        <p:nvSpPr>
-          <p:cNvPr id="7" name="TextBox 6">
-            <a:extLst>
-              <a:ext uri="{FF2B5EF4-FFF2-40B4-BE49-F238E27FC236}">
-                <a16:creationId xmlns:a16="http://schemas.microsoft.com/office/drawing/2014/main" id="{9387B676-F88B-4082-B9EA-5AB25B364099}"/>
-              </a:ext>
-            </a:extLst>
-          </p:cNvPr>
-          <p:cNvSpPr txBox="1"/>
-          <p:nvPr/>
-        </p:nvSpPr>
-        <p:spPr>
-          <a:xfrm>
-            <a:off x="415600" y="3050309"/>
-            <a:ext cx="5791268" cy="1323439"/>
-          </a:xfrm>
-          <a:prstGeom prst="rect">
-            <a:avLst/>
-          </a:prstGeom>
-          <a:noFill/>
-        </p:spPr>
-        <p:txBody>
-          <a:bodyPr wrap="square">
-            <a:spAutoFit/>
-          </a:bodyPr>
-          <a:lstStyle/>
-          <a:p>
-            <a:pPr marL="0" lvl="0" indent="0" algn="l" rtl="0">
-              <a:spcBef>
-                <a:spcPts val="0"/>
-              </a:spcBef>
-              <a:spcAft>
-                <a:spcPts val="0"/>
-              </a:spcAft>
-              <a:buNone/>
-            </a:pPr>
-            <a:r>
-              <a:rPr lang="en-GB" sz="2000" b="0" i="0" dirty="0">
-                <a:solidFill>
-                  <a:srgbClr val="11181D"/>
-                </a:solidFill>
-                <a:effectLst/>
-                <a:latin typeface="Roboto" panose="02000000000000000000" pitchFamily="2" charset="0"/>
-              </a:rPr>
-              <a:t>Octopus Deploy is a </a:t>
-            </a:r>
-            <a:r>
-              <a:rPr lang="en-GB" sz="2000" dirty="0">
-                <a:solidFill>
-                  <a:srgbClr val="0D80D8"/>
-                </a:solidFill>
-                <a:latin typeface="Roboto" panose="02000000000000000000" pitchFamily="2" charset="0"/>
-                <a:ea typeface="Roboto" panose="02000000000000000000" pitchFamily="2" charset="0"/>
-              </a:rPr>
-              <a:t>single place </a:t>
-            </a:r>
-            <a:r>
-              <a:rPr lang="en-GB" sz="2000" b="0" i="0" dirty="0">
-                <a:solidFill>
-                  <a:srgbClr val="11181D"/>
-                </a:solidFill>
-                <a:effectLst/>
-                <a:latin typeface="Roboto" panose="02000000000000000000" pitchFamily="2" charset="0"/>
-              </a:rPr>
-              <a:t>for your team to manage releases, automate deployments, and automate the runbooks that keep your software operating.</a:t>
-            </a:r>
-            <a:endParaRPr lang="en-GB" sz="2000" dirty="0">
-              <a:solidFill>
-                <a:srgbClr val="11181D"/>
-              </a:solidFill>
-              <a:highlight>
-                <a:srgbClr val="FFFFFF"/>
-              </a:highlight>
-              <a:latin typeface="Roboto" panose="02000000000000000000" pitchFamily="2" charset="0"/>
-              <a:ea typeface="Roboto" panose="02000000000000000000" pitchFamily="2" charset="0"/>
-            </a:endParaRPr>
-          </a:p>
-        </p:txBody>
-      </p:sp>
-      <p:pic>
-        <p:nvPicPr>
-          <p:cNvPr id="4" name="Picture 3">
-            <a:extLst>
-              <a:ext uri="{FF2B5EF4-FFF2-40B4-BE49-F238E27FC236}">
-                <a16:creationId xmlns:a16="http://schemas.microsoft.com/office/drawing/2014/main" id="{DC45455E-4A00-499C-A3FC-A57924A8E90D}"/>
-              </a:ext>
-            </a:extLst>
-          </p:cNvPr>
-          <p:cNvPicPr>
-            <a:picLocks noChangeAspect="1"/>
-          </p:cNvPicPr>
-          <p:nvPr/>
-        </p:nvPicPr>
-        <p:blipFill>
-          <a:blip r:embed="rId3"/>
-          <a:stretch>
-            <a:fillRect/>
-          </a:stretch>
-        </p:blipFill>
-        <p:spPr>
-          <a:xfrm>
-            <a:off x="6370320" y="1875015"/>
-            <a:ext cx="5326379" cy="3550919"/>
-          </a:xfrm>
-          <a:prstGeom prst="rect">
-            <a:avLst/>
-          </a:prstGeom>
-          <a:effectLst>
-            <a:outerShdw blurRad="50800" dist="38100" dir="2700000" algn="tl" rotWithShape="0">
-              <a:prstClr val="black">
-                <a:alpha val="40000"/>
-              </a:prstClr>
-            </a:outerShdw>
-          </a:effectLst>
-        </p:spPr>
-      </p:pic>
-      <p:sp>
-        <p:nvSpPr>
-          <p:cNvPr id="8" name="TextBox 7">
-            <a:extLst>
-              <a:ext uri="{FF2B5EF4-FFF2-40B4-BE49-F238E27FC236}">
-                <a16:creationId xmlns:a16="http://schemas.microsoft.com/office/drawing/2014/main" id="{15D58BF0-9D7D-4355-87EB-A8EBB32C7A03}"/>
-              </a:ext>
-            </a:extLst>
-          </p:cNvPr>
-          <p:cNvSpPr txBox="1"/>
-          <p:nvPr/>
-        </p:nvSpPr>
-        <p:spPr>
-          <a:xfrm>
-            <a:off x="415600" y="2114397"/>
-            <a:ext cx="6119948" cy="400110"/>
-          </a:xfrm>
-          <a:prstGeom prst="rect">
-            <a:avLst/>
-          </a:prstGeom>
-          <a:noFill/>
-        </p:spPr>
-        <p:txBody>
-          <a:bodyPr wrap="square">
-            <a:spAutoFit/>
-          </a:bodyPr>
-          <a:lstStyle/>
-          <a:p>
-            <a:pPr algn="l"/>
-            <a:r>
-              <a:rPr lang="en-GB" sz="2000" b="1" i="0" dirty="0">
-                <a:solidFill>
-                  <a:srgbClr val="11181D"/>
-                </a:solidFill>
-                <a:effectLst/>
-                <a:latin typeface="Roboto" panose="02000000000000000000" pitchFamily="2" charset="0"/>
-              </a:rPr>
-              <a:t>A unified DevOps Automation platform. </a:t>
-            </a:r>
-          </a:p>
-        </p:txBody>
-      </p:sp>
-    </p:spTree>
-    <p:extLst>
-      <p:ext uri="{BB962C8B-B14F-4D97-AF65-F5344CB8AC3E}">
-        <p14:creationId xmlns:p14="http://schemas.microsoft.com/office/powerpoint/2010/main" val="204320350"/>
-      </p:ext>
-    </p:extLst>
-  </p:cSld>
-  <p:clrMapOvr>
-    <a:masterClrMapping/>
-  </p:clrMapOvr>
-  <mc:AlternateContent xmlns:mc="http://schemas.openxmlformats.org/markup-compatibility/2006" xmlns:p159="http://schemas.microsoft.com/office/powerpoint/2015/09/main">
-    <mc:Choice Requires="p159">
-      <p:transition xmlns:p14="http://schemas.microsoft.com/office/powerpoint/2010/main" spd="slow" p14:dur="2000">
-        <p159:morph option="byObject"/>
-      </p:transition>
-    </mc:Choice>
-    <mc:Fallback xmlns="">
-      <p:transition spd="slow">
-        <p:fade/>
-      </p:transition>
-    </mc:Fallback>
-  </mc:AlternateContent>
-</p:sld>
-</file>
-
-<file path=ppt/slides/slide13.xml><?xml version="1.0" encoding="utf-8"?>
-<p:sld xmlns:a="http://schemas.openxmlformats.org/drawingml/2006/main" xmlns:r="http://schemas.openxmlformats.org/officeDocument/2006/relationships" xmlns:p="http://schemas.openxmlformats.org/presentationml/2006/main">
-  <p:cSld>
-    <p:spTree>
-      <p:nvGrpSpPr>
-        <p:cNvPr id="1" name=""/>
-        <p:cNvGrpSpPr/>
-        <p:nvPr/>
-      </p:nvGrpSpPr>
-      <p:grpSpPr>
-        <a:xfrm>
-          <a:off x="0" y="0"/>
-          <a:ext cx="0" cy="0"/>
-          <a:chOff x="0" y="0"/>
-          <a:chExt cx="0" cy="0"/>
-        </a:xfrm>
-      </p:grpSpPr>
-      <p:sp>
-        <p:nvSpPr>
-          <p:cNvPr id="3" name="Title 2">
-            <a:extLst>
-              <a:ext uri="{FF2B5EF4-FFF2-40B4-BE49-F238E27FC236}">
                 <a16:creationId xmlns:a16="http://schemas.microsoft.com/office/drawing/2014/main" id="{56119CF4-05A2-49A0-836B-E32F441AA73E}"/>
               </a:ext>
             </a:extLst>
@@ -7396,266 +6567,7 @@
 </p:sld>
 </file>
 
-<file path=ppt/slides/slide14.xml><?xml version="1.0" encoding="utf-8"?>
-<p:sld xmlns:a="http://schemas.openxmlformats.org/drawingml/2006/main" xmlns:r="http://schemas.openxmlformats.org/officeDocument/2006/relationships" xmlns:p="http://schemas.openxmlformats.org/presentationml/2006/main">
-  <p:cSld>
-    <p:spTree>
-      <p:nvGrpSpPr>
-        <p:cNvPr id="1" name=""/>
-        <p:cNvGrpSpPr/>
-        <p:nvPr/>
-      </p:nvGrpSpPr>
-      <p:grpSpPr>
-        <a:xfrm>
-          <a:off x="0" y="0"/>
-          <a:ext cx="0" cy="0"/>
-          <a:chOff x="0" y="0"/>
-          <a:chExt cx="0" cy="0"/>
-        </a:xfrm>
-      </p:grpSpPr>
-      <p:sp>
-        <p:nvSpPr>
-          <p:cNvPr id="3" name="Title 2">
-            <a:extLst>
-              <a:ext uri="{FF2B5EF4-FFF2-40B4-BE49-F238E27FC236}">
-                <a16:creationId xmlns:a16="http://schemas.microsoft.com/office/drawing/2014/main" id="{98524DEA-5DF7-43F2-BF0F-C3391151EF6E}"/>
-              </a:ext>
-            </a:extLst>
-          </p:cNvPr>
-          <p:cNvSpPr>
-            <a:spLocks noGrp="1"/>
-          </p:cNvSpPr>
-          <p:nvPr>
-            <p:ph type="title"/>
-          </p:nvPr>
-        </p:nvSpPr>
-        <p:spPr/>
-        <p:txBody>
-          <a:bodyPr>
-            <a:normAutofit/>
-          </a:bodyPr>
-          <a:lstStyle/>
-          <a:p>
-            <a:pPr algn="l"/>
-            <a:r>
-              <a:rPr lang="en-GB" sz="4200" dirty="0">
-                <a:solidFill>
-                  <a:srgbClr val="11181D"/>
-                </a:solidFill>
-                <a:latin typeface="Roboto" panose="02000000000000000000" pitchFamily="2" charset="0"/>
-                <a:ea typeface="Roboto" panose="02000000000000000000" pitchFamily="2" charset="0"/>
-              </a:rPr>
-              <a:t>Define your deployment process once</a:t>
-            </a:r>
-            <a:endParaRPr lang="en-GB" sz="4200" dirty="0">
-              <a:latin typeface="Roboto" panose="02000000000000000000" pitchFamily="2" charset="0"/>
-              <a:ea typeface="Roboto" panose="02000000000000000000" pitchFamily="2" charset="0"/>
-            </a:endParaRPr>
-          </a:p>
-        </p:txBody>
-      </p:sp>
-      <p:pic>
-        <p:nvPicPr>
-          <p:cNvPr id="5" name="Google Shape;117;p22">
-            <a:extLst>
-              <a:ext uri="{FF2B5EF4-FFF2-40B4-BE49-F238E27FC236}">
-                <a16:creationId xmlns:a16="http://schemas.microsoft.com/office/drawing/2014/main" id="{34393AE5-B47D-4B0F-B010-3C55BCA62F4D}"/>
-              </a:ext>
-            </a:extLst>
-          </p:cNvPr>
-          <p:cNvPicPr preferRelativeResize="0"/>
-          <p:nvPr/>
-        </p:nvPicPr>
-        <p:blipFill>
-          <a:blip r:embed="rId3">
-            <a:alphaModFix/>
-          </a:blip>
-          <a:stretch>
-            <a:fillRect/>
-          </a:stretch>
-        </p:blipFill>
-        <p:spPr>
-          <a:xfrm>
-            <a:off x="570377" y="2037323"/>
-            <a:ext cx="4079949" cy="3460625"/>
-          </a:xfrm>
-          <a:prstGeom prst="rect">
-            <a:avLst/>
-          </a:prstGeom>
-          <a:noFill/>
-          <a:ln>
-            <a:noFill/>
-          </a:ln>
-        </p:spPr>
-      </p:pic>
-      <p:sp>
-        <p:nvSpPr>
-          <p:cNvPr id="7" name="TextBox 6">
-            <a:extLst>
-              <a:ext uri="{FF2B5EF4-FFF2-40B4-BE49-F238E27FC236}">
-                <a16:creationId xmlns:a16="http://schemas.microsoft.com/office/drawing/2014/main" id="{94B8C7CD-DBA2-4876-917D-C511D64345EC}"/>
-              </a:ext>
-            </a:extLst>
-          </p:cNvPr>
-          <p:cNvSpPr txBox="1"/>
-          <p:nvPr/>
-        </p:nvSpPr>
-        <p:spPr>
-          <a:xfrm>
-            <a:off x="5559925" y="2439066"/>
-            <a:ext cx="6119272" cy="2657138"/>
-          </a:xfrm>
-          <a:prstGeom prst="rect">
-            <a:avLst/>
-          </a:prstGeom>
-          <a:noFill/>
-        </p:spPr>
-        <p:txBody>
-          <a:bodyPr wrap="square">
-            <a:spAutoFit/>
-          </a:bodyPr>
-          <a:lstStyle/>
-          <a:p>
-            <a:pPr marL="0" lvl="0" indent="0" algn="l" rtl="0">
-              <a:spcBef>
-                <a:spcPts val="1600"/>
-              </a:spcBef>
-              <a:spcAft>
-                <a:spcPts val="0"/>
-              </a:spcAft>
-              <a:buNone/>
-            </a:pPr>
-            <a:r>
-              <a:rPr lang="en-GB" sz="2000" dirty="0">
-                <a:solidFill>
-                  <a:srgbClr val="11181D"/>
-                </a:solidFill>
-                <a:latin typeface="Roboto" panose="02000000000000000000" pitchFamily="2" charset="0"/>
-                <a:ea typeface="Roboto" panose="02000000000000000000" pitchFamily="2" charset="0"/>
-              </a:rPr>
-              <a:t>Differences are handled via</a:t>
-            </a:r>
-            <a:r>
-              <a:rPr lang="en-GB" sz="2000" dirty="0">
-                <a:solidFill>
-                  <a:schemeClr val="accent1"/>
-                </a:solidFill>
-                <a:latin typeface="Roboto" panose="02000000000000000000" pitchFamily="2" charset="0"/>
-                <a:ea typeface="Roboto" panose="02000000000000000000" pitchFamily="2" charset="0"/>
-              </a:rPr>
-              <a:t> </a:t>
-            </a:r>
-            <a:r>
-              <a:rPr lang="en-GB" sz="2000" dirty="0">
-                <a:solidFill>
-                  <a:srgbClr val="0D80D8"/>
-                </a:solidFill>
-                <a:latin typeface="Roboto" panose="02000000000000000000" pitchFamily="2" charset="0"/>
-                <a:ea typeface="Roboto" panose="02000000000000000000" pitchFamily="2" charset="0"/>
-              </a:rPr>
-              <a:t>variables and scoping steps to specific environments</a:t>
-            </a:r>
-          </a:p>
-          <a:p>
-            <a:pPr marL="0" lvl="0" indent="0" algn="l" rtl="0">
-              <a:spcBef>
-                <a:spcPts val="1600"/>
-              </a:spcBef>
-              <a:spcAft>
-                <a:spcPts val="0"/>
-              </a:spcAft>
-              <a:buNone/>
-            </a:pPr>
-            <a:r>
-              <a:rPr lang="en-GB" sz="2000" dirty="0">
-                <a:solidFill>
-                  <a:srgbClr val="0D80D8"/>
-                </a:solidFill>
-                <a:latin typeface="Roboto" panose="02000000000000000000" pitchFamily="2" charset="0"/>
-                <a:ea typeface="Roboto" panose="02000000000000000000" pitchFamily="2" charset="0"/>
-              </a:rPr>
-              <a:t>Releases</a:t>
-            </a:r>
-            <a:r>
-              <a:rPr lang="en-GB" sz="2000" dirty="0">
-                <a:solidFill>
-                  <a:schemeClr val="dk1"/>
-                </a:solidFill>
-                <a:latin typeface="Roboto" panose="02000000000000000000" pitchFamily="2" charset="0"/>
-                <a:ea typeface="Roboto" panose="02000000000000000000" pitchFamily="2" charset="0"/>
-              </a:rPr>
-              <a:t> </a:t>
-            </a:r>
-            <a:r>
-              <a:rPr lang="en-GB" sz="2000" dirty="0">
-                <a:solidFill>
-                  <a:srgbClr val="11181D"/>
-                </a:solidFill>
-                <a:latin typeface="Roboto" panose="02000000000000000000" pitchFamily="2" charset="0"/>
-                <a:ea typeface="Roboto" panose="02000000000000000000" pitchFamily="2" charset="0"/>
-              </a:rPr>
-              <a:t>snapshot your deployment configuration and build artifacts for repeatable and reliable deployments</a:t>
-            </a:r>
-          </a:p>
-          <a:p>
-            <a:pPr marL="0" lvl="0" indent="0" algn="l" rtl="0">
-              <a:spcBef>
-                <a:spcPts val="1600"/>
-              </a:spcBef>
-              <a:spcAft>
-                <a:spcPts val="0"/>
-              </a:spcAft>
-              <a:buNone/>
-            </a:pPr>
-            <a:r>
-              <a:rPr lang="en-GB" sz="2000" dirty="0">
-                <a:solidFill>
-                  <a:srgbClr val="0D80D8"/>
-                </a:solidFill>
-                <a:latin typeface="Roboto" panose="02000000000000000000" pitchFamily="2" charset="0"/>
-                <a:ea typeface="Roboto" panose="02000000000000000000" pitchFamily="2" charset="0"/>
-              </a:rPr>
-              <a:t>Advanced deployment patterns </a:t>
-            </a:r>
-            <a:r>
-              <a:rPr lang="en-GB" sz="2000" dirty="0">
-                <a:solidFill>
-                  <a:srgbClr val="11181D"/>
-                </a:solidFill>
-                <a:latin typeface="Roboto" panose="02000000000000000000" pitchFamily="2" charset="0"/>
-                <a:ea typeface="Roboto" panose="02000000000000000000" pitchFamily="2" charset="0"/>
-              </a:rPr>
-              <a:t>including rolling, blue-green, canary deployments and multi-tenancy</a:t>
-            </a:r>
-          </a:p>
-        </p:txBody>
-      </p:sp>
-    </p:spTree>
-    <p:extLst>
-      <p:ext uri="{BB962C8B-B14F-4D97-AF65-F5344CB8AC3E}">
-        <p14:creationId xmlns:p14="http://schemas.microsoft.com/office/powerpoint/2010/main" val="1334243659"/>
-      </p:ext>
-    </p:extLst>
-  </p:cSld>
-  <p:clrMapOvr>
-    <a:masterClrMapping/>
-  </p:clrMapOvr>
-  <mc:AlternateContent xmlns:mc="http://schemas.openxmlformats.org/markup-compatibility/2006" xmlns:p159="http://schemas.microsoft.com/office/powerpoint/2015/09/main">
-    <mc:Choice Requires="p159">
-      <p:transition xmlns:p14="http://schemas.microsoft.com/office/powerpoint/2010/main" spd="slow" p14:dur="2000">
-        <p159:morph option="byObject"/>
-      </p:transition>
-    </mc:Choice>
-    <mc:Fallback xmlns="">
-      <p:transition spd="slow">
-        <p:fade/>
-      </p:transition>
-    </mc:Fallback>
-  </mc:AlternateContent>
-</p:sld>
-</file>
-
-<file path=ppt/slides/slide15.xml><?xml version="1.0" encoding="utf-8"?>
+<file path=ppt/slides/slide11.xml><?xml version="1.0" encoding="utf-8"?>
 <p:sld xmlns:a="http://schemas.openxmlformats.org/drawingml/2006/main" xmlns:r="http://schemas.openxmlformats.org/officeDocument/2006/relationships" xmlns:p="http://schemas.openxmlformats.org/presentationml/2006/main">
   <p:cSld>
     <p:spTree>
@@ -7875,419 +6787,7 @@
 </p:sld>
 </file>
 
-<file path=ppt/slides/slide16.xml><?xml version="1.0" encoding="utf-8"?>
-<p:sld xmlns:a="http://schemas.openxmlformats.org/drawingml/2006/main" xmlns:r="http://schemas.openxmlformats.org/officeDocument/2006/relationships" xmlns:p="http://schemas.openxmlformats.org/presentationml/2006/main">
-  <p:cSld>
-    <p:spTree>
-      <p:nvGrpSpPr>
-        <p:cNvPr id="1" name=""/>
-        <p:cNvGrpSpPr/>
-        <p:nvPr/>
-      </p:nvGrpSpPr>
-      <p:grpSpPr>
-        <a:xfrm>
-          <a:off x="0" y="0"/>
-          <a:ext cx="0" cy="0"/>
-          <a:chOff x="0" y="0"/>
-          <a:chExt cx="0" cy="0"/>
-        </a:xfrm>
-      </p:grpSpPr>
-      <p:sp>
-        <p:nvSpPr>
-          <p:cNvPr id="2" name="Text Placeholder 1">
-            <a:extLst>
-              <a:ext uri="{FF2B5EF4-FFF2-40B4-BE49-F238E27FC236}">
-                <a16:creationId xmlns:a16="http://schemas.microsoft.com/office/drawing/2014/main" id="{59A5F5CF-1A7A-4B79-9B96-F3299BDFF6AF}"/>
-              </a:ext>
-            </a:extLst>
-          </p:cNvPr>
-          <p:cNvSpPr>
-            <a:spLocks noGrp="1"/>
-          </p:cNvSpPr>
-          <p:nvPr>
-            <p:ph type="body" idx="1"/>
-          </p:nvPr>
-        </p:nvSpPr>
-        <p:spPr>
-          <a:xfrm>
-            <a:off x="446522" y="2618680"/>
-            <a:ext cx="6373930" cy="2744033"/>
-          </a:xfrm>
-        </p:spPr>
-        <p:txBody>
-          <a:bodyPr>
-            <a:normAutofit/>
-          </a:bodyPr>
-          <a:lstStyle/>
-          <a:p>
-            <a:pPr marL="0" lvl="0" indent="0" algn="l" rtl="0">
-              <a:spcBef>
-                <a:spcPts val="0"/>
-              </a:spcBef>
-              <a:spcAft>
-                <a:spcPts val="0"/>
-              </a:spcAft>
-              <a:buNone/>
-            </a:pPr>
-            <a:r>
-              <a:rPr lang="en-GB" sz="2000" dirty="0">
-                <a:solidFill>
-                  <a:srgbClr val="0D80D8"/>
-                </a:solidFill>
-                <a:highlight>
-                  <a:schemeClr val="lt1"/>
-                </a:highlight>
-                <a:latin typeface="Roboto" panose="02000000000000000000" pitchFamily="2" charset="0"/>
-                <a:ea typeface="Roboto" panose="02000000000000000000" pitchFamily="2" charset="0"/>
-              </a:rPr>
-              <a:t>API-first architecture </a:t>
-            </a:r>
-            <a:r>
-              <a:rPr lang="en-GB" sz="2000" dirty="0">
-                <a:solidFill>
-                  <a:srgbClr val="11181D"/>
-                </a:solidFill>
-                <a:highlight>
-                  <a:schemeClr val="lt1"/>
-                </a:highlight>
-                <a:latin typeface="Roboto" panose="02000000000000000000" pitchFamily="2" charset="0"/>
-                <a:ea typeface="Roboto" panose="02000000000000000000" pitchFamily="2" charset="0"/>
-              </a:rPr>
-              <a:t>for automation, customization and flexibility</a:t>
-            </a:r>
-          </a:p>
-          <a:p>
-            <a:pPr marL="0" lvl="0" indent="0" algn="l" rtl="0">
-              <a:spcBef>
-                <a:spcPts val="1600"/>
-              </a:spcBef>
-              <a:spcAft>
-                <a:spcPts val="0"/>
-              </a:spcAft>
-              <a:buNone/>
-            </a:pPr>
-            <a:r>
-              <a:rPr lang="en-GB" sz="2000" dirty="0">
-                <a:solidFill>
-                  <a:srgbClr val="0D80D8"/>
-                </a:solidFill>
-                <a:highlight>
-                  <a:schemeClr val="lt1"/>
-                </a:highlight>
-                <a:latin typeface="Roboto" panose="02000000000000000000" pitchFamily="2" charset="0"/>
-                <a:ea typeface="Roboto" panose="02000000000000000000" pitchFamily="2" charset="0"/>
-              </a:rPr>
-              <a:t>Cross-platform integrations </a:t>
-            </a:r>
-            <a:r>
-              <a:rPr lang="en-GB" sz="2000" dirty="0">
-                <a:solidFill>
-                  <a:srgbClr val="11181D"/>
-                </a:solidFill>
-                <a:highlight>
-                  <a:schemeClr val="lt1"/>
-                </a:highlight>
-                <a:latin typeface="Roboto" panose="02000000000000000000" pitchFamily="2" charset="0"/>
-                <a:ea typeface="Roboto" panose="02000000000000000000" pitchFamily="2" charset="0"/>
-              </a:rPr>
-              <a:t>that suit your team. Octopus CLI, RESTful client, C# API client, Java SDK, Golang API client, and TypeScript API client</a:t>
-            </a:r>
-          </a:p>
-          <a:p>
-            <a:pPr marL="203195" indent="0">
-              <a:buNone/>
-            </a:pPr>
-            <a:endParaRPr lang="en-GB" sz="2000" dirty="0">
-              <a:latin typeface="Roboto" panose="02000000000000000000" pitchFamily="2" charset="0"/>
-              <a:ea typeface="Roboto" panose="02000000000000000000" pitchFamily="2" charset="0"/>
-            </a:endParaRPr>
-          </a:p>
-        </p:txBody>
-      </p:sp>
-      <p:sp>
-        <p:nvSpPr>
-          <p:cNvPr id="3" name="Title 2">
-            <a:extLst>
-              <a:ext uri="{FF2B5EF4-FFF2-40B4-BE49-F238E27FC236}">
-                <a16:creationId xmlns:a16="http://schemas.microsoft.com/office/drawing/2014/main" id="{E39C27CC-950E-495D-B098-F97E00085DF5}"/>
-              </a:ext>
-            </a:extLst>
-          </p:cNvPr>
-          <p:cNvSpPr>
-            <a:spLocks noGrp="1"/>
-          </p:cNvSpPr>
-          <p:nvPr>
-            <p:ph type="title"/>
-          </p:nvPr>
-        </p:nvSpPr>
-        <p:spPr/>
-        <p:txBody>
-          <a:bodyPr>
-            <a:normAutofit/>
-          </a:bodyPr>
-          <a:lstStyle/>
-          <a:p>
-            <a:pPr algn="l"/>
-            <a:r>
-              <a:rPr lang="en-GB" sz="4200" dirty="0">
-                <a:latin typeface="Roboto" panose="02000000000000000000" pitchFamily="2" charset="0"/>
-                <a:ea typeface="Roboto" panose="02000000000000000000" pitchFamily="2" charset="0"/>
-              </a:rPr>
-              <a:t>API-first architecture</a:t>
-            </a:r>
-          </a:p>
-        </p:txBody>
-      </p:sp>
-      <p:sp>
-        <p:nvSpPr>
-          <p:cNvPr id="4" name="Title 3">
-            <a:extLst>
-              <a:ext uri="{FF2B5EF4-FFF2-40B4-BE49-F238E27FC236}">
-                <a16:creationId xmlns:a16="http://schemas.microsoft.com/office/drawing/2014/main" id="{8269A7D5-7A4E-4E74-A5B7-39968F930DE8}"/>
-              </a:ext>
-            </a:extLst>
-          </p:cNvPr>
-          <p:cNvSpPr>
-            <a:spLocks noGrp="1"/>
-          </p:cNvSpPr>
-          <p:nvPr>
-            <p:ph type="title" idx="2"/>
-          </p:nvPr>
-        </p:nvSpPr>
-        <p:spPr/>
-        <p:txBody>
-          <a:bodyPr/>
-          <a:lstStyle/>
-          <a:p>
-            <a:endParaRPr lang="en-GB"/>
-          </a:p>
-        </p:txBody>
-      </p:sp>
-      <p:pic>
-        <p:nvPicPr>
-          <p:cNvPr id="5" name="Google Shape;104;p20">
-            <a:extLst>
-              <a:ext uri="{FF2B5EF4-FFF2-40B4-BE49-F238E27FC236}">
-                <a16:creationId xmlns:a16="http://schemas.microsoft.com/office/drawing/2014/main" id="{6BCAD32A-2FAC-4EB7-9CAD-DA47A601958E}"/>
-              </a:ext>
-            </a:extLst>
-          </p:cNvPr>
-          <p:cNvPicPr preferRelativeResize="0"/>
-          <p:nvPr/>
-        </p:nvPicPr>
-        <p:blipFill>
-          <a:blip r:embed="rId2">
-            <a:alphaModFix/>
-          </a:blip>
-          <a:stretch>
-            <a:fillRect/>
-          </a:stretch>
-        </p:blipFill>
-        <p:spPr>
-          <a:xfrm>
-            <a:off x="6970644" y="1837636"/>
-            <a:ext cx="4467315" cy="4031098"/>
-          </a:xfrm>
-          <a:prstGeom prst="rect">
-            <a:avLst/>
-          </a:prstGeom>
-          <a:noFill/>
-          <a:ln>
-            <a:noFill/>
-          </a:ln>
-        </p:spPr>
-      </p:pic>
-      <p:pic>
-        <p:nvPicPr>
-          <p:cNvPr id="9" name="Picture 8" descr="A close-up of a calculator&#10;&#10;Description automatically generated with medium confidence">
-            <a:extLst>
-              <a:ext uri="{FF2B5EF4-FFF2-40B4-BE49-F238E27FC236}">
-                <a16:creationId xmlns:a16="http://schemas.microsoft.com/office/drawing/2014/main" id="{616A92FF-0FAD-4C72-AA16-9F2127943C7D}"/>
-              </a:ext>
-            </a:extLst>
-          </p:cNvPr>
-          <p:cNvPicPr>
-            <a:picLocks noChangeAspect="1"/>
-          </p:cNvPicPr>
-          <p:nvPr/>
-        </p:nvPicPr>
-        <p:blipFill>
-          <a:blip r:embed="rId3">
-            <a:extLst>
-              <a:ext uri="{28A0092B-C50C-407E-A947-70E740481C1C}">
-                <a14:useLocalDpi xmlns:a14="http://schemas.microsoft.com/office/drawing/2010/main" val="0"/>
-              </a:ext>
-            </a:extLst>
-          </a:blip>
-          <a:stretch>
-            <a:fillRect/>
-          </a:stretch>
-        </p:blipFill>
-        <p:spPr>
-          <a:xfrm rot="20544508">
-            <a:off x="2997240" y="1911038"/>
-            <a:ext cx="6409049" cy="3605090"/>
-          </a:xfrm>
-          <a:prstGeom prst="rect">
-            <a:avLst/>
-          </a:prstGeom>
-        </p:spPr>
-      </p:pic>
-    </p:spTree>
-    <p:extLst>
-      <p:ext uri="{BB962C8B-B14F-4D97-AF65-F5344CB8AC3E}">
-        <p14:creationId xmlns:p14="http://schemas.microsoft.com/office/powerpoint/2010/main" val="2205957965"/>
-      </p:ext>
-    </p:extLst>
-  </p:cSld>
-  <p:clrMapOvr>
-    <a:masterClrMapping/>
-  </p:clrMapOvr>
-  <mc:AlternateContent xmlns:mc="http://schemas.openxmlformats.org/markup-compatibility/2006" xmlns:p159="http://schemas.microsoft.com/office/powerpoint/2015/09/main">
-    <mc:Choice Requires="p159">
-      <p:transition xmlns:p14="http://schemas.microsoft.com/office/powerpoint/2010/main" spd="slow" p14:dur="2000">
-        <p159:morph option="byObject"/>
-      </p:transition>
-    </mc:Choice>
-    <mc:Fallback xmlns="">
-      <p:transition spd="slow">
-        <p:fade/>
-      </p:transition>
-    </mc:Fallback>
-  </mc:AlternateContent>
-  <p:timing>
-    <p:tnLst>
-      <p:par>
-        <p:cTn id="1" dur="indefinite" restart="never" nodeType="tmRoot">
-          <p:childTnLst>
-            <p:seq concurrent="1" nextAc="seek">
-              <p:cTn id="2" dur="indefinite" nodeType="mainSeq">
-                <p:childTnLst>
-                  <p:par>
-                    <p:cTn id="3" fill="hold">
-                      <p:stCondLst>
-                        <p:cond delay="indefinite"/>
-                      </p:stCondLst>
-                      <p:childTnLst>
-                        <p:par>
-                          <p:cTn id="4" fill="hold">
-                            <p:stCondLst>
-                              <p:cond delay="0"/>
-                            </p:stCondLst>
-                            <p:childTnLst>
-                              <p:par>
-                                <p:cTn id="5" presetID="45" presetClass="entr" presetSubtype="0" fill="hold" nodeType="clickEffect">
-                                  <p:stCondLst>
-                                    <p:cond delay="0"/>
-                                  </p:stCondLst>
-                                  <p:childTnLst>
-                                    <p:set>
-                                      <p:cBhvr>
-                                        <p:cTn id="6" dur="1" fill="hold">
-                                          <p:stCondLst>
-                                            <p:cond delay="0"/>
-                                          </p:stCondLst>
-                                        </p:cTn>
-                                        <p:tgtEl>
-                                          <p:spTgt spid="9"/>
-                                        </p:tgtEl>
-                                        <p:attrNameLst>
-                                          <p:attrName>style.visibility</p:attrName>
-                                        </p:attrNameLst>
-                                      </p:cBhvr>
-                                      <p:to>
-                                        <p:strVal val="visible"/>
-                                      </p:to>
-                                    </p:set>
-                                    <p:animEffect transition="in" filter="fade">
-                                      <p:cBhvr>
-                                        <p:cTn id="7" dur="2000"/>
-                                        <p:tgtEl>
-                                          <p:spTgt spid="9"/>
-                                        </p:tgtEl>
-                                      </p:cBhvr>
-                                    </p:animEffect>
-                                    <p:anim calcmode="lin" valueType="num">
-                                      <p:cBhvr>
-                                        <p:cTn id="8" dur="2000" fill="hold"/>
-                                        <p:tgtEl>
-                                          <p:spTgt spid="9"/>
-                                        </p:tgtEl>
-                                        <p:attrNameLst>
-                                          <p:attrName>ppt_w</p:attrName>
-                                        </p:attrNameLst>
-                                      </p:cBhvr>
-                                      <p:tavLst>
-                                        <p:tav tm="0" fmla="#ppt_w*sin(2.5*pi*$)">
-                                          <p:val>
-                                            <p:fltVal val="0"/>
-                                          </p:val>
-                                        </p:tav>
-                                        <p:tav tm="100000">
-                                          <p:val>
-                                            <p:fltVal val="1"/>
-                                          </p:val>
-                                        </p:tav>
-                                      </p:tavLst>
-                                    </p:anim>
-                                    <p:anim calcmode="lin" valueType="num">
-                                      <p:cBhvr>
-                                        <p:cTn id="9" dur="2000" fill="hold"/>
-                                        <p:tgtEl>
-                                          <p:spTgt spid="9"/>
-                                        </p:tgtEl>
-                                        <p:attrNameLst>
-                                          <p:attrName>ppt_h</p:attrName>
-                                        </p:attrNameLst>
-                                      </p:cBhvr>
-                                      <p:tavLst>
-                                        <p:tav tm="0">
-                                          <p:val>
-                                            <p:strVal val="#ppt_h"/>
-                                          </p:val>
-                                        </p:tav>
-                                        <p:tav tm="100000">
-                                          <p:val>
-                                            <p:strVal val="#ppt_h"/>
-                                          </p:val>
-                                        </p:tav>
-                                      </p:tavLst>
-                                    </p:anim>
-                                  </p:childTnLst>
-                                </p:cTn>
-                              </p:par>
-                            </p:childTnLst>
-                          </p:cTn>
-                        </p:par>
-                      </p:childTnLst>
-                    </p:cTn>
-                  </p:par>
-                </p:childTnLst>
-              </p:cTn>
-              <p:prevCondLst>
-                <p:cond evt="onPrev" delay="0">
-                  <p:tgtEl>
-                    <p:sldTgt/>
-                  </p:tgtEl>
-                </p:cond>
-              </p:prevCondLst>
-              <p:nextCondLst>
-                <p:cond evt="onNext" delay="0">
-                  <p:tgtEl>
-                    <p:sldTgt/>
-                  </p:tgtEl>
-                </p:cond>
-              </p:nextCondLst>
-            </p:seq>
-          </p:childTnLst>
-        </p:cTn>
-      </p:par>
-    </p:tnLst>
-  </p:timing>
-</p:sld>
-</file>
-
-<file path=ppt/slides/slide17.xml><?xml version="1.0" encoding="utf-8"?>
+<file path=ppt/slides/slide12.xml><?xml version="1.0" encoding="utf-8"?>
 <p:sld xmlns:a="http://schemas.openxmlformats.org/drawingml/2006/main" xmlns:r="http://schemas.openxmlformats.org/officeDocument/2006/relationships" xmlns:p="http://schemas.openxmlformats.org/presentationml/2006/main">
   <p:cSld>
     <p:bg>
@@ -8375,7 +6875,7 @@
 </p:sld>
 </file>
 
-<file path=ppt/slides/slide18.xml><?xml version="1.0" encoding="utf-8"?>
+<file path=ppt/slides/slide13.xml><?xml version="1.0" encoding="utf-8"?>
 <p:sld xmlns:a="http://schemas.openxmlformats.org/drawingml/2006/main" xmlns:r="http://schemas.openxmlformats.org/officeDocument/2006/relationships" xmlns:p="http://schemas.openxmlformats.org/presentationml/2006/main">
   <p:cSld>
     <p:spTree>
@@ -13382,7 +11882,7 @@
 </p:sld>
 </file>
 
-<file path=ppt/slides/slide19.xml><?xml version="1.0" encoding="utf-8"?>
+<file path=ppt/slides/slide14.xml><?xml version="1.0" encoding="utf-8"?>
 <p:sld xmlns:a="http://schemas.openxmlformats.org/drawingml/2006/main" xmlns:r="http://schemas.openxmlformats.org/officeDocument/2006/relationships" xmlns:p="http://schemas.openxmlformats.org/presentationml/2006/main">
   <p:cSld>
     <p:spTree>
@@ -13547,206 +12047,7 @@
 </p:sld>
 </file>
 
-<file path=ppt/slides/slide2.xml><?xml version="1.0" encoding="utf-8"?>
-<p:sld xmlns:a="http://schemas.openxmlformats.org/drawingml/2006/main" xmlns:r="http://schemas.openxmlformats.org/officeDocument/2006/relationships" xmlns:p="http://schemas.openxmlformats.org/presentationml/2006/main">
-  <p:cSld>
-    <p:spTree>
-      <p:nvGrpSpPr>
-        <p:cNvPr id="1" name=""/>
-        <p:cNvGrpSpPr/>
-        <p:nvPr/>
-      </p:nvGrpSpPr>
-      <p:grpSpPr>
-        <a:xfrm>
-          <a:off x="0" y="0"/>
-          <a:ext cx="0" cy="0"/>
-          <a:chOff x="0" y="0"/>
-          <a:chExt cx="0" cy="0"/>
-        </a:xfrm>
-      </p:grpSpPr>
-      <p:sp>
-        <p:nvSpPr>
-          <p:cNvPr id="6" name="Title 5">
-            <a:extLst>
-              <a:ext uri="{FF2B5EF4-FFF2-40B4-BE49-F238E27FC236}">
-                <a16:creationId xmlns:a16="http://schemas.microsoft.com/office/drawing/2014/main" id="{C6F26068-665D-4169-97F4-7988158C4B0D}"/>
-              </a:ext>
-            </a:extLst>
-          </p:cNvPr>
-          <p:cNvSpPr>
-            <a:spLocks noGrp="1"/>
-          </p:cNvSpPr>
-          <p:nvPr>
-            <p:ph type="title"/>
-          </p:nvPr>
-        </p:nvSpPr>
-        <p:spPr/>
-        <p:txBody>
-          <a:bodyPr>
-            <a:normAutofit/>
-          </a:bodyPr>
-          <a:lstStyle/>
-          <a:p>
-            <a:pPr algn="l"/>
-            <a:r>
-              <a:rPr lang="en-GB" sz="4200" dirty="0">
-                <a:latin typeface="Roboto" panose="02000000000000000000" pitchFamily="2" charset="0"/>
-                <a:ea typeface="Roboto" panose="02000000000000000000" pitchFamily="2" charset="0"/>
-              </a:rPr>
-              <a:t>Deploying infrastructure</a:t>
-            </a:r>
-          </a:p>
-        </p:txBody>
-      </p:sp>
-      <p:sp>
-        <p:nvSpPr>
-          <p:cNvPr id="155" name="TextBox 154">
-            <a:extLst>
-              <a:ext uri="{FF2B5EF4-FFF2-40B4-BE49-F238E27FC236}">
-                <a16:creationId xmlns:a16="http://schemas.microsoft.com/office/drawing/2014/main" id="{EE09F366-E222-4175-90C9-21EA41E06436}"/>
-              </a:ext>
-            </a:extLst>
-          </p:cNvPr>
-          <p:cNvSpPr txBox="1"/>
-          <p:nvPr/>
-        </p:nvSpPr>
-        <p:spPr>
-          <a:xfrm>
-            <a:off x="480977" y="2491520"/>
-            <a:ext cx="5615023" cy="1938992"/>
-          </a:xfrm>
-          <a:prstGeom prst="rect">
-            <a:avLst/>
-          </a:prstGeom>
-          <a:noFill/>
-        </p:spPr>
-        <p:txBody>
-          <a:bodyPr wrap="square" rtlCol="0">
-            <a:spAutoFit/>
-          </a:bodyPr>
-          <a:lstStyle/>
-          <a:p>
-            <a:r>
-              <a:rPr lang="en-GB" sz="2000" dirty="0">
-                <a:latin typeface="Roboto" panose="02000000000000000000" pitchFamily="2" charset="0"/>
-                <a:ea typeface="Roboto" panose="02000000000000000000" pitchFamily="2" charset="0"/>
-              </a:rPr>
-              <a:t>Deploying infrastructure in the Cloud can be </a:t>
-            </a:r>
-            <a:r>
-              <a:rPr lang="en-GB" sz="2000" dirty="0">
-                <a:solidFill>
-                  <a:srgbClr val="0D80D8"/>
-                </a:solidFill>
-                <a:latin typeface="Roboto" panose="02000000000000000000" pitchFamily="2" charset="0"/>
-                <a:ea typeface="Roboto" panose="02000000000000000000" pitchFamily="2" charset="0"/>
-              </a:rPr>
-              <a:t>complex</a:t>
-            </a:r>
-            <a:r>
-              <a:rPr lang="en-GB" sz="2000" dirty="0">
-                <a:latin typeface="Roboto" panose="02000000000000000000" pitchFamily="2" charset="0"/>
-                <a:ea typeface="Roboto" panose="02000000000000000000" pitchFamily="2" charset="0"/>
-              </a:rPr>
-              <a:t>. </a:t>
-            </a:r>
-          </a:p>
-          <a:p>
-            <a:endParaRPr lang="en-GB" sz="2000" dirty="0">
-              <a:latin typeface="Roboto" panose="02000000000000000000" pitchFamily="2" charset="0"/>
-              <a:ea typeface="Roboto" panose="02000000000000000000" pitchFamily="2" charset="0"/>
-            </a:endParaRPr>
-          </a:p>
-          <a:p>
-            <a:r>
-              <a:rPr lang="en-GB" sz="2000" dirty="0">
-                <a:latin typeface="Roboto" panose="02000000000000000000" pitchFamily="2" charset="0"/>
-                <a:ea typeface="Roboto" panose="02000000000000000000" pitchFamily="2" charset="0"/>
-              </a:rPr>
-              <a:t>A solution needs to help resolve </a:t>
-            </a:r>
-            <a:r>
-              <a:rPr lang="en-GB" sz="2000" dirty="0">
-                <a:solidFill>
-                  <a:srgbClr val="0D80D8"/>
-                </a:solidFill>
-                <a:latin typeface="Roboto" panose="02000000000000000000" pitchFamily="2" charset="0"/>
-                <a:ea typeface="Roboto" panose="02000000000000000000" pitchFamily="2" charset="0"/>
-              </a:rPr>
-              <a:t>problems</a:t>
-            </a:r>
-            <a:r>
-              <a:rPr lang="en-GB" sz="2000" dirty="0">
-                <a:latin typeface="Roboto" panose="02000000000000000000" pitchFamily="2" charset="0"/>
-                <a:ea typeface="Roboto" panose="02000000000000000000" pitchFamily="2" charset="0"/>
-              </a:rPr>
-              <a:t> with consistency, repeatability, and reduce management overhead. </a:t>
-            </a:r>
-          </a:p>
-        </p:txBody>
-      </p:sp>
-      <p:pic>
-        <p:nvPicPr>
-          <p:cNvPr id="157" name="Picture 156" descr="Shape&#10;&#10;Description automatically generated with medium confidence">
-            <a:extLst>
-              <a:ext uri="{FF2B5EF4-FFF2-40B4-BE49-F238E27FC236}">
-                <a16:creationId xmlns:a16="http://schemas.microsoft.com/office/drawing/2014/main" id="{27B8E333-E2AD-4D0F-8133-A3C26FE78BEF}"/>
-              </a:ext>
-            </a:extLst>
-          </p:cNvPr>
-          <p:cNvPicPr>
-            <a:picLocks noChangeAspect="1"/>
-          </p:cNvPicPr>
-          <p:nvPr/>
-        </p:nvPicPr>
-        <p:blipFill>
-          <a:blip r:embed="rId3">
-            <a:extLst>
-              <a:ext uri="{28A0092B-C50C-407E-A947-70E740481C1C}">
-                <a14:useLocalDpi xmlns:a14="http://schemas.microsoft.com/office/drawing/2010/main" val="0"/>
-              </a:ext>
-            </a:extLst>
-          </a:blip>
-          <a:stretch>
-            <a:fillRect/>
-          </a:stretch>
-        </p:blipFill>
-        <p:spPr>
-          <a:xfrm>
-            <a:off x="7341592" y="2050336"/>
-            <a:ext cx="3212681" cy="3066926"/>
-          </a:xfrm>
-          <a:prstGeom prst="rect">
-            <a:avLst/>
-          </a:prstGeom>
-        </p:spPr>
-      </p:pic>
-    </p:spTree>
-    <p:extLst>
-      <p:ext uri="{BB962C8B-B14F-4D97-AF65-F5344CB8AC3E}">
-        <p14:creationId xmlns:p14="http://schemas.microsoft.com/office/powerpoint/2010/main" val="2412568900"/>
-      </p:ext>
-    </p:extLst>
-  </p:cSld>
-  <p:clrMapOvr>
-    <a:masterClrMapping/>
-  </p:clrMapOvr>
-  <mc:AlternateContent xmlns:mc="http://schemas.openxmlformats.org/markup-compatibility/2006" xmlns:p159="http://schemas.microsoft.com/office/powerpoint/2015/09/main">
-    <mc:Choice Requires="p159">
-      <p:transition xmlns:p14="http://schemas.microsoft.com/office/powerpoint/2010/main" spd="slow" p14:dur="2000">
-        <p159:morph option="byObject"/>
-      </p:transition>
-    </mc:Choice>
-    <mc:Fallback xmlns="">
-      <p:transition spd="slow">
-        <p:fade/>
-      </p:transition>
-    </mc:Fallback>
-  </mc:AlternateContent>
-</p:sld>
-</file>
-
-<file path=ppt/slides/slide20.xml><?xml version="1.0" encoding="utf-8"?>
+<file path=ppt/slides/slide15.xml><?xml version="1.0" encoding="utf-8"?>
 <p:sld xmlns:a="http://schemas.openxmlformats.org/drawingml/2006/main" xmlns:r="http://schemas.openxmlformats.org/officeDocument/2006/relationships" xmlns:p="http://schemas.openxmlformats.org/presentationml/2006/main">
   <p:cSld>
     <p:spTree>
@@ -13844,7 +12145,21 @@
                 <a:latin typeface="Roboto" panose="02000000000000000000" pitchFamily="2" charset="0"/>
                 <a:ea typeface="Roboto" panose="02000000000000000000" pitchFamily="2" charset="0"/>
               </a:rPr>
-              <a:t>Sign up for a trial</a:t>
+              <a:t>Sign up for </a:t>
+            </a:r>
+            <a:r>
+              <a:rPr lang="en-GB" sz="4200">
+                <a:latin typeface="Roboto" panose="02000000000000000000" pitchFamily="2" charset="0"/>
+                <a:ea typeface="Roboto" panose="02000000000000000000" pitchFamily="2" charset="0"/>
+              </a:rPr>
+              <a:t>a free </a:t>
+            </a:r>
+            <a:r>
+              <a:rPr lang="en-GB" sz="4200" dirty="0">
+                <a:latin typeface="Roboto" panose="02000000000000000000" pitchFamily="2" charset="0"/>
+                <a:ea typeface="Roboto" panose="02000000000000000000" pitchFamily="2" charset="0"/>
+              </a:rPr>
+              <a:t>trial</a:t>
             </a:r>
           </a:p>
         </p:txBody>
@@ -13915,7 +12230,7 @@
 </p:sld>
 </file>
 
-<file path=ppt/slides/slide21.xml><?xml version="1.0" encoding="utf-8"?>
+<file path=ppt/slides/slide16.xml><?xml version="1.0" encoding="utf-8"?>
 <p:sld xmlns:a="http://schemas.openxmlformats.org/drawingml/2006/main" xmlns:r="http://schemas.openxmlformats.org/officeDocument/2006/relationships" xmlns:p="http://schemas.openxmlformats.org/presentationml/2006/main">
   <p:cSld>
     <p:bg>
@@ -14150,6 +12465,205 @@
     <p:extLst>
       <p:ext uri="{BB962C8B-B14F-4D97-AF65-F5344CB8AC3E}">
         <p14:creationId xmlns:p14="http://schemas.microsoft.com/office/powerpoint/2010/main" val="1383309838"/>
+      </p:ext>
+    </p:extLst>
+  </p:cSld>
+  <p:clrMapOvr>
+    <a:masterClrMapping/>
+  </p:clrMapOvr>
+  <mc:AlternateContent xmlns:mc="http://schemas.openxmlformats.org/markup-compatibility/2006" xmlns:p159="http://schemas.microsoft.com/office/powerpoint/2015/09/main">
+    <mc:Choice Requires="p159">
+      <p:transition xmlns:p14="http://schemas.microsoft.com/office/powerpoint/2010/main" spd="slow" p14:dur="2000">
+        <p159:morph option="byObject"/>
+      </p:transition>
+    </mc:Choice>
+    <mc:Fallback xmlns="">
+      <p:transition spd="slow">
+        <p:fade/>
+      </p:transition>
+    </mc:Fallback>
+  </mc:AlternateContent>
+</p:sld>
+</file>
+
+<file path=ppt/slides/slide2.xml><?xml version="1.0" encoding="utf-8"?>
+<p:sld xmlns:a="http://schemas.openxmlformats.org/drawingml/2006/main" xmlns:r="http://schemas.openxmlformats.org/officeDocument/2006/relationships" xmlns:p="http://schemas.openxmlformats.org/presentationml/2006/main">
+  <p:cSld>
+    <p:spTree>
+      <p:nvGrpSpPr>
+        <p:cNvPr id="1" name=""/>
+        <p:cNvGrpSpPr/>
+        <p:nvPr/>
+      </p:nvGrpSpPr>
+      <p:grpSpPr>
+        <a:xfrm>
+          <a:off x="0" y="0"/>
+          <a:ext cx="0" cy="0"/>
+          <a:chOff x="0" y="0"/>
+          <a:chExt cx="0" cy="0"/>
+        </a:xfrm>
+      </p:grpSpPr>
+      <p:sp>
+        <p:nvSpPr>
+          <p:cNvPr id="6" name="Title 5">
+            <a:extLst>
+              <a:ext uri="{FF2B5EF4-FFF2-40B4-BE49-F238E27FC236}">
+                <a16:creationId xmlns:a16="http://schemas.microsoft.com/office/drawing/2014/main" id="{C6F26068-665D-4169-97F4-7988158C4B0D}"/>
+              </a:ext>
+            </a:extLst>
+          </p:cNvPr>
+          <p:cNvSpPr>
+            <a:spLocks noGrp="1"/>
+          </p:cNvSpPr>
+          <p:nvPr>
+            <p:ph type="title"/>
+          </p:nvPr>
+        </p:nvSpPr>
+        <p:spPr/>
+        <p:txBody>
+          <a:bodyPr>
+            <a:normAutofit/>
+          </a:bodyPr>
+          <a:lstStyle/>
+          <a:p>
+            <a:pPr algn="l"/>
+            <a:r>
+              <a:rPr lang="en-GB" sz="4200" dirty="0">
+                <a:latin typeface="Roboto" panose="02000000000000000000" pitchFamily="2" charset="0"/>
+                <a:ea typeface="Roboto" panose="02000000000000000000" pitchFamily="2" charset="0"/>
+              </a:rPr>
+              <a:t>Deploying infrastructure</a:t>
+            </a:r>
+          </a:p>
+        </p:txBody>
+      </p:sp>
+      <p:sp>
+        <p:nvSpPr>
+          <p:cNvPr id="155" name="TextBox 154">
+            <a:extLst>
+              <a:ext uri="{FF2B5EF4-FFF2-40B4-BE49-F238E27FC236}">
+                <a16:creationId xmlns:a16="http://schemas.microsoft.com/office/drawing/2014/main" id="{EE09F366-E222-4175-90C9-21EA41E06436}"/>
+              </a:ext>
+            </a:extLst>
+          </p:cNvPr>
+          <p:cNvSpPr txBox="1"/>
+          <p:nvPr/>
+        </p:nvSpPr>
+        <p:spPr>
+          <a:xfrm>
+            <a:off x="480977" y="2491520"/>
+            <a:ext cx="5615023" cy="1938992"/>
+          </a:xfrm>
+          <a:prstGeom prst="rect">
+            <a:avLst/>
+          </a:prstGeom>
+          <a:noFill/>
+        </p:spPr>
+        <p:txBody>
+          <a:bodyPr wrap="square" rtlCol="0">
+            <a:spAutoFit/>
+          </a:bodyPr>
+          <a:lstStyle/>
+          <a:p>
+            <a:r>
+              <a:rPr lang="en-GB" sz="2000" dirty="0">
+                <a:latin typeface="Roboto" panose="02000000000000000000" pitchFamily="2" charset="0"/>
+                <a:ea typeface="Roboto" panose="02000000000000000000" pitchFamily="2" charset="0"/>
+              </a:rPr>
+              <a:t>Deploying infrastructure in the Cloud can be </a:t>
+            </a:r>
+            <a:r>
+              <a:rPr lang="en-GB" sz="2000" dirty="0">
+                <a:solidFill>
+                  <a:srgbClr val="0D80D8"/>
+                </a:solidFill>
+                <a:latin typeface="Roboto" panose="02000000000000000000" pitchFamily="2" charset="0"/>
+                <a:ea typeface="Roboto" panose="02000000000000000000" pitchFamily="2" charset="0"/>
+              </a:rPr>
+              <a:t>complex</a:t>
+            </a:r>
+            <a:r>
+              <a:rPr lang="en-GB" sz="2000" dirty="0">
+                <a:latin typeface="Roboto" panose="02000000000000000000" pitchFamily="2" charset="0"/>
+                <a:ea typeface="Roboto" panose="02000000000000000000" pitchFamily="2" charset="0"/>
+              </a:rPr>
+              <a:t>. </a:t>
+            </a:r>
+          </a:p>
+          <a:p>
+            <a:endParaRPr lang="en-GB" sz="2000" dirty="0">
+              <a:latin typeface="Roboto" panose="02000000000000000000" pitchFamily="2" charset="0"/>
+              <a:ea typeface="Roboto" panose="02000000000000000000" pitchFamily="2" charset="0"/>
+            </a:endParaRPr>
+          </a:p>
+          <a:p>
+            <a:r>
+              <a:rPr lang="en-GB" sz="2000" dirty="0">
+                <a:latin typeface="Roboto" panose="02000000000000000000" pitchFamily="2" charset="0"/>
+                <a:ea typeface="Roboto" panose="02000000000000000000" pitchFamily="2" charset="0"/>
+              </a:rPr>
+              <a:t>A solution needs to help resolve </a:t>
+            </a:r>
+            <a:r>
+              <a:rPr lang="en-GB" sz="2000" dirty="0">
+                <a:solidFill>
+                  <a:srgbClr val="0D80D8"/>
+                </a:solidFill>
+                <a:latin typeface="Roboto" panose="02000000000000000000" pitchFamily="2" charset="0"/>
+                <a:ea typeface="Roboto" panose="02000000000000000000" pitchFamily="2" charset="0"/>
+              </a:rPr>
+              <a:t>problems</a:t>
+            </a:r>
+            <a:r>
+              <a:rPr lang="en-GB" sz="2000" dirty="0">
+                <a:latin typeface="Roboto" panose="02000000000000000000" pitchFamily="2" charset="0"/>
+                <a:ea typeface="Roboto" panose="02000000000000000000" pitchFamily="2" charset="0"/>
+              </a:rPr>
+              <a:t> with consistency, repeatability, and reduce management overhead. </a:t>
+            </a:r>
+          </a:p>
+        </p:txBody>
+      </p:sp>
+      <p:pic>
+        <p:nvPicPr>
+          <p:cNvPr id="157" name="Picture 156" descr="Shape&#10;&#10;Description automatically generated with medium confidence">
+            <a:extLst>
+              <a:ext uri="{FF2B5EF4-FFF2-40B4-BE49-F238E27FC236}">
+                <a16:creationId xmlns:a16="http://schemas.microsoft.com/office/drawing/2014/main" id="{27B8E333-E2AD-4D0F-8133-A3C26FE78BEF}"/>
+              </a:ext>
+            </a:extLst>
+          </p:cNvPr>
+          <p:cNvPicPr>
+            <a:picLocks noChangeAspect="1"/>
+          </p:cNvPicPr>
+          <p:nvPr/>
+        </p:nvPicPr>
+        <p:blipFill>
+          <a:blip r:embed="rId3">
+            <a:extLst>
+              <a:ext uri="{28A0092B-C50C-407E-A947-70E740481C1C}">
+                <a14:useLocalDpi xmlns:a14="http://schemas.microsoft.com/office/drawing/2010/main" val="0"/>
+              </a:ext>
+            </a:extLst>
+          </a:blip>
+          <a:stretch>
+            <a:fillRect/>
+          </a:stretch>
+        </p:blipFill>
+        <p:spPr>
+          <a:xfrm>
+            <a:off x="7341592" y="2050336"/>
+            <a:ext cx="3212681" cy="3066926"/>
+          </a:xfrm>
+          <a:prstGeom prst="rect">
+            <a:avLst/>
+          </a:prstGeom>
+        </p:spPr>
+      </p:pic>
+    </p:spTree>
+    <p:extLst>
+      <p:ext uri="{BB962C8B-B14F-4D97-AF65-F5344CB8AC3E}">
+        <p14:creationId xmlns:p14="http://schemas.microsoft.com/office/powerpoint/2010/main" val="2412568900"/>
       </p:ext>
     </p:extLst>
   </p:cSld>
@@ -15666,410 +14180,6 @@
                 <a:latin typeface="Roboto" panose="02000000000000000000" pitchFamily="2" charset="0"/>
                 <a:ea typeface="Roboto" panose="02000000000000000000" pitchFamily="2" charset="0"/>
               </a:rPr>
-              <a:t>Why Infrastructure as Code?</a:t>
-            </a:r>
-          </a:p>
-        </p:txBody>
-      </p:sp>
-      <p:sp>
-        <p:nvSpPr>
-          <p:cNvPr id="3" name="Subtitle">
-            <a:extLst>
-              <a:ext uri="{FF2B5EF4-FFF2-40B4-BE49-F238E27FC236}">
-                <a16:creationId xmlns:a16="http://schemas.microsoft.com/office/drawing/2014/main" id="{0000081E-81AA-4C55-9BEE-81E74C7C9238}"/>
-              </a:ext>
-            </a:extLst>
-          </p:cNvPr>
-          <p:cNvSpPr txBox="1">
-            <a:spLocks/>
-          </p:cNvSpPr>
-          <p:nvPr/>
-        </p:nvSpPr>
-        <p:spPr>
-          <a:xfrm>
-            <a:off x="531539" y="1889907"/>
-            <a:ext cx="11018838" cy="853440"/>
-          </a:xfrm>
-          <a:prstGeom prst="rect">
-            <a:avLst/>
-          </a:prstGeom>
-        </p:spPr>
-        <p:txBody>
-          <a:bodyPr/>
-          <a:lstStyle>
-            <a:lvl1pPr marL="0" indent="0" algn="l" defTabSz="914400" rtl="0" eaLnBrk="1" latinLnBrk="0" hangingPunct="1">
-              <a:lnSpc>
-                <a:spcPct val="90000"/>
-              </a:lnSpc>
-              <a:spcBef>
-                <a:spcPts val="1000"/>
-              </a:spcBef>
-              <a:buFont typeface="Arial" panose="020B0604020202020204" pitchFamily="34" charset="0"/>
-              <a:buNone/>
-              <a:defRPr sz="2800" kern="1200">
-                <a:solidFill>
-                  <a:schemeClr val="tx1"/>
-                </a:solidFill>
-                <a:latin typeface="+mn-lt"/>
-                <a:ea typeface="+mn-ea"/>
-                <a:cs typeface="+mn-cs"/>
-              </a:defRPr>
-            </a:lvl1pPr>
-            <a:lvl2pPr marL="685800" indent="-228600" algn="l" defTabSz="914400" rtl="0" eaLnBrk="1" latinLnBrk="0" hangingPunct="1">
-              <a:lnSpc>
-                <a:spcPct val="90000"/>
-              </a:lnSpc>
-              <a:spcBef>
-                <a:spcPts val="500"/>
-              </a:spcBef>
-              <a:buFont typeface="Arial" panose="020B0604020202020204" pitchFamily="34" charset="0"/>
-              <a:buChar char="•"/>
-              <a:defRPr sz="2400" kern="1200">
-                <a:solidFill>
-                  <a:schemeClr val="tx1"/>
-                </a:solidFill>
-                <a:latin typeface="+mn-lt"/>
-                <a:ea typeface="+mn-ea"/>
-                <a:cs typeface="+mn-cs"/>
-              </a:defRPr>
-            </a:lvl2pPr>
-            <a:lvl3pPr marL="1143000" indent="-228600" algn="l" defTabSz="914400" rtl="0" eaLnBrk="1" latinLnBrk="0" hangingPunct="1">
-              <a:lnSpc>
-                <a:spcPct val="90000"/>
-              </a:lnSpc>
-              <a:spcBef>
-                <a:spcPts val="500"/>
-              </a:spcBef>
-              <a:buFont typeface="Arial" panose="020B0604020202020204" pitchFamily="34" charset="0"/>
-              <a:buChar char="•"/>
-              <a:defRPr sz="2000" kern="1200">
-                <a:solidFill>
-                  <a:schemeClr val="tx1"/>
-                </a:solidFill>
-                <a:latin typeface="+mn-lt"/>
-                <a:ea typeface="+mn-ea"/>
-                <a:cs typeface="+mn-cs"/>
-              </a:defRPr>
-            </a:lvl3pPr>
-            <a:lvl4pPr marL="1600200" indent="-228600" algn="l" defTabSz="914400" rtl="0" eaLnBrk="1" latinLnBrk="0" hangingPunct="1">
-              <a:lnSpc>
-                <a:spcPct val="90000"/>
-              </a:lnSpc>
-              <a:spcBef>
-                <a:spcPts val="500"/>
-              </a:spcBef>
-              <a:buFont typeface="Arial" panose="020B0604020202020204" pitchFamily="34" charset="0"/>
-              <a:buChar char="•"/>
-              <a:defRPr sz="1800" kern="1200">
-                <a:solidFill>
-                  <a:schemeClr val="tx1"/>
-                </a:solidFill>
-                <a:latin typeface="+mn-lt"/>
-                <a:ea typeface="+mn-ea"/>
-                <a:cs typeface="+mn-cs"/>
-              </a:defRPr>
-            </a:lvl4pPr>
-            <a:lvl5pPr marL="2057400" indent="-228600" algn="l" defTabSz="914400" rtl="0" eaLnBrk="1" latinLnBrk="0" hangingPunct="1">
-              <a:lnSpc>
-                <a:spcPct val="90000"/>
-              </a:lnSpc>
-              <a:spcBef>
-                <a:spcPts val="500"/>
-              </a:spcBef>
-              <a:buFont typeface="Arial" panose="020B0604020202020204" pitchFamily="34" charset="0"/>
-              <a:buChar char="•"/>
-              <a:defRPr sz="1800" kern="1200">
-                <a:solidFill>
-                  <a:schemeClr val="tx1"/>
-                </a:solidFill>
-                <a:latin typeface="+mn-lt"/>
-                <a:ea typeface="+mn-ea"/>
-                <a:cs typeface="+mn-cs"/>
-              </a:defRPr>
-            </a:lvl5pPr>
-            <a:lvl6pPr marL="2514600" indent="-228600" algn="l" defTabSz="914400" rtl="0" eaLnBrk="1" latinLnBrk="0" hangingPunct="1">
-              <a:lnSpc>
-                <a:spcPct val="90000"/>
-              </a:lnSpc>
-              <a:spcBef>
-                <a:spcPts val="500"/>
-              </a:spcBef>
-              <a:buFont typeface="Arial" panose="020B0604020202020204" pitchFamily="34" charset="0"/>
-              <a:buChar char="•"/>
-              <a:defRPr sz="1800" kern="1200">
-                <a:solidFill>
-                  <a:schemeClr val="tx1"/>
-                </a:solidFill>
-                <a:latin typeface="+mn-lt"/>
-                <a:ea typeface="+mn-ea"/>
-                <a:cs typeface="+mn-cs"/>
-              </a:defRPr>
-            </a:lvl6pPr>
-            <a:lvl7pPr marL="2971800" indent="-228600" algn="l" defTabSz="914400" rtl="0" eaLnBrk="1" latinLnBrk="0" hangingPunct="1">
-              <a:lnSpc>
-                <a:spcPct val="90000"/>
-              </a:lnSpc>
-              <a:spcBef>
-                <a:spcPts val="500"/>
-              </a:spcBef>
-              <a:buFont typeface="Arial" panose="020B0604020202020204" pitchFamily="34" charset="0"/>
-              <a:buChar char="•"/>
-              <a:defRPr sz="1800" kern="1200">
-                <a:solidFill>
-                  <a:schemeClr val="tx1"/>
-                </a:solidFill>
-                <a:latin typeface="+mn-lt"/>
-                <a:ea typeface="+mn-ea"/>
-                <a:cs typeface="+mn-cs"/>
-              </a:defRPr>
-            </a:lvl7pPr>
-            <a:lvl8pPr marL="3429000" indent="-228600" algn="l" defTabSz="914400" rtl="0" eaLnBrk="1" latinLnBrk="0" hangingPunct="1">
-              <a:lnSpc>
-                <a:spcPct val="90000"/>
-              </a:lnSpc>
-              <a:spcBef>
-                <a:spcPts val="500"/>
-              </a:spcBef>
-              <a:buFont typeface="Arial" panose="020B0604020202020204" pitchFamily="34" charset="0"/>
-              <a:buChar char="•"/>
-              <a:defRPr sz="1800" kern="1200">
-                <a:solidFill>
-                  <a:schemeClr val="tx1"/>
-                </a:solidFill>
-                <a:latin typeface="+mn-lt"/>
-                <a:ea typeface="+mn-ea"/>
-                <a:cs typeface="+mn-cs"/>
-              </a:defRPr>
-            </a:lvl8pPr>
-            <a:lvl9pPr marL="3886200" indent="-228600" algn="l" defTabSz="914400" rtl="0" eaLnBrk="1" latinLnBrk="0" hangingPunct="1">
-              <a:lnSpc>
-                <a:spcPct val="90000"/>
-              </a:lnSpc>
-              <a:spcBef>
-                <a:spcPts val="500"/>
-              </a:spcBef>
-              <a:buFont typeface="Arial" panose="020B0604020202020204" pitchFamily="34" charset="0"/>
-              <a:buChar char="•"/>
-              <a:defRPr sz="1800" kern="1200">
-                <a:solidFill>
-                  <a:schemeClr val="tx1"/>
-                </a:solidFill>
-                <a:latin typeface="+mn-lt"/>
-                <a:ea typeface="+mn-ea"/>
-                <a:cs typeface="+mn-cs"/>
-              </a:defRPr>
-            </a:lvl9pPr>
-          </a:lstStyle>
-          <a:p>
-            <a:r>
-              <a:rPr lang="en-GB" dirty="0">
-                <a:latin typeface="Roboto" panose="02000000000000000000" pitchFamily="2" charset="0"/>
-                <a:ea typeface="Roboto" panose="02000000000000000000" pitchFamily="2" charset="0"/>
-              </a:rPr>
-              <a:t>Adopting an infrastructure as code approach offers many </a:t>
-            </a:r>
-            <a:r>
-              <a:rPr lang="en-GB" dirty="0">
-                <a:solidFill>
-                  <a:srgbClr val="0D80D8"/>
-                </a:solidFill>
-                <a:latin typeface="Roboto" panose="02000000000000000000" pitchFamily="2" charset="0"/>
-                <a:ea typeface="Roboto" panose="02000000000000000000" pitchFamily="2" charset="0"/>
-              </a:rPr>
-              <a:t>benefits</a:t>
-            </a:r>
-            <a:r>
-              <a:rPr lang="en-GB" dirty="0">
-                <a:latin typeface="Roboto" panose="02000000000000000000" pitchFamily="2" charset="0"/>
-                <a:ea typeface="Roboto" panose="02000000000000000000" pitchFamily="2" charset="0"/>
-              </a:rPr>
-              <a:t> to resource provisioning.</a:t>
-            </a:r>
-          </a:p>
-        </p:txBody>
-      </p:sp>
-      <p:sp>
-        <p:nvSpPr>
-          <p:cNvPr id="4" name="New shape">
-            <a:extLst>
-              <a:ext uri="{FF2B5EF4-FFF2-40B4-BE49-F238E27FC236}">
-                <a16:creationId xmlns:a16="http://schemas.microsoft.com/office/drawing/2014/main" id="{14CA759D-72E4-4479-A41B-FB05F3A90CF0}"/>
-              </a:ext>
-            </a:extLst>
-          </p:cNvPr>
-          <p:cNvSpPr/>
-          <p:nvPr/>
-        </p:nvSpPr>
-        <p:spPr>
-          <a:xfrm>
-            <a:off x="556939" y="2971820"/>
-            <a:ext cx="10972800" cy="1261884"/>
-          </a:xfrm>
-          <a:prstGeom prst="rect">
-            <a:avLst/>
-          </a:prstGeom>
-          <a:noFill/>
-          <a:ln>
-            <a:noFill/>
-          </a:ln>
-        </p:spPr>
-        <p:style>
-          <a:lnRef idx="2">
-            <a:schemeClr val="accent1">
-              <a:shade val="50000"/>
-            </a:schemeClr>
-          </a:lnRef>
-          <a:fillRef idx="1">
-            <a:schemeClr val="accent1"/>
-          </a:fillRef>
-          <a:effectRef idx="0">
-            <a:schemeClr val="accent1"/>
-          </a:effectRef>
-          <a:fontRef idx="minor">
-            <a:schemeClr val="lt1"/>
-          </a:fontRef>
-        </p:style>
-        <p:txBody>
-          <a:bodyPr rtlCol="0" anchor="t">
-            <a:spAutoFit/>
-          </a:bodyPr>
-          <a:lstStyle/>
-          <a:p>
-            <a:pPr marL="579438" indent="-579438">
-              <a:spcBef>
-                <a:spcPct val="20000"/>
-              </a:spcBef>
-              <a:spcAft>
-                <a:spcPct val="20000"/>
-              </a:spcAft>
-              <a:buChar char="•"/>
-            </a:pPr>
-            <a:r>
-              <a:rPr sz="2000" dirty="0">
-                <a:solidFill>
-                  <a:srgbClr val="000000"/>
-                </a:solidFill>
-                <a:latin typeface="Roboto" panose="02000000000000000000" pitchFamily="2" charset="0"/>
-                <a:ea typeface="Roboto" panose="02000000000000000000" pitchFamily="2" charset="0"/>
-              </a:rPr>
-              <a:t>Increase confidence in your deployments.</a:t>
-            </a:r>
-          </a:p>
-          <a:p>
-            <a:pPr marL="579438" indent="-579438">
-              <a:spcBef>
-                <a:spcPct val="20000"/>
-              </a:spcBef>
-              <a:spcAft>
-                <a:spcPct val="20000"/>
-              </a:spcAft>
-              <a:buChar char="•"/>
-            </a:pPr>
-            <a:r>
-              <a:rPr sz="2000" dirty="0">
-                <a:solidFill>
-                  <a:srgbClr val="000000"/>
-                </a:solidFill>
-                <a:latin typeface="Roboto" panose="02000000000000000000" pitchFamily="2" charset="0"/>
-                <a:ea typeface="Roboto" panose="02000000000000000000" pitchFamily="2" charset="0"/>
-              </a:rPr>
-              <a:t>Manage multiple environments.</a:t>
-            </a:r>
-          </a:p>
-          <a:p>
-            <a:pPr marL="579438" indent="-579438">
-              <a:spcBef>
-                <a:spcPct val="20000"/>
-              </a:spcBef>
-              <a:spcAft>
-                <a:spcPct val="20000"/>
-              </a:spcAft>
-              <a:buChar char="•"/>
-            </a:pPr>
-            <a:r>
-              <a:rPr sz="2000" dirty="0">
-                <a:solidFill>
-                  <a:srgbClr val="000000"/>
-                </a:solidFill>
-                <a:latin typeface="Roboto" panose="02000000000000000000" pitchFamily="2" charset="0"/>
-                <a:ea typeface="Roboto" panose="02000000000000000000" pitchFamily="2" charset="0"/>
-              </a:rPr>
-              <a:t>Better understand your cloud resources.</a:t>
-            </a:r>
-          </a:p>
-        </p:txBody>
-      </p:sp>
-    </p:spTree>
-    <p:extLst>
-      <p:ext uri="{BB962C8B-B14F-4D97-AF65-F5344CB8AC3E}">
-        <p14:creationId xmlns:p14="http://schemas.microsoft.com/office/powerpoint/2010/main" val="292721374"/>
-      </p:ext>
-    </p:extLst>
-  </p:cSld>
-  <p:clrMapOvr>
-    <a:masterClrMapping/>
-  </p:clrMapOvr>
-  <mc:AlternateContent xmlns:mc="http://schemas.openxmlformats.org/markup-compatibility/2006" xmlns:p159="http://schemas.microsoft.com/office/powerpoint/2015/09/main">
-    <mc:Choice Requires="p159">
-      <p:transition xmlns:p14="http://schemas.microsoft.com/office/powerpoint/2010/main" spd="slow" p14:dur="2000">
-        <p159:morph option="byObject"/>
-      </p:transition>
-    </mc:Choice>
-    <mc:Fallback xmlns="">
-      <p:transition spd="slow">
-        <p:fade/>
-      </p:transition>
-    </mc:Fallback>
-  </mc:AlternateContent>
-</p:sld>
-</file>
-
-<file path=ppt/slides/slide5.xml><?xml version="1.0" encoding="utf-8"?>
-<p:sld xmlns:a="http://schemas.openxmlformats.org/drawingml/2006/main" xmlns:r="http://schemas.openxmlformats.org/officeDocument/2006/relationships" xmlns:p="http://schemas.openxmlformats.org/presentationml/2006/main">
-  <p:cSld>
-    <p:spTree>
-      <p:nvGrpSpPr>
-        <p:cNvPr id="1" name=""/>
-        <p:cNvGrpSpPr/>
-        <p:nvPr/>
-      </p:nvGrpSpPr>
-      <p:grpSpPr>
-        <a:xfrm>
-          <a:off x="0" y="0"/>
-          <a:ext cx="0" cy="0"/>
-          <a:chOff x="0" y="0"/>
-          <a:chExt cx="0" cy="0"/>
-        </a:xfrm>
-      </p:grpSpPr>
-      <p:sp>
-        <p:nvSpPr>
-          <p:cNvPr id="6" name="Title 5">
-            <a:extLst>
-              <a:ext uri="{FF2B5EF4-FFF2-40B4-BE49-F238E27FC236}">
-                <a16:creationId xmlns:a16="http://schemas.microsoft.com/office/drawing/2014/main" id="{C6F26068-665D-4169-97F4-7988158C4B0D}"/>
-              </a:ext>
-            </a:extLst>
-          </p:cNvPr>
-          <p:cNvSpPr>
-            <a:spLocks noGrp="1"/>
-          </p:cNvSpPr>
-          <p:nvPr>
-            <p:ph type="title"/>
-          </p:nvPr>
-        </p:nvSpPr>
-        <p:spPr/>
-        <p:txBody>
-          <a:bodyPr>
-            <a:normAutofit/>
-          </a:bodyPr>
-          <a:lstStyle/>
-          <a:p>
-            <a:pPr algn="l"/>
-            <a:r>
-              <a:rPr lang="en-GB" sz="4200" dirty="0">
-                <a:latin typeface="Roboto" panose="02000000000000000000" pitchFamily="2" charset="0"/>
-                <a:ea typeface="Roboto" panose="02000000000000000000" pitchFamily="2" charset="0"/>
-              </a:rPr>
               <a:t>Infrastructure as Code languages</a:t>
             </a:r>
           </a:p>
@@ -17034,7 +15144,7 @@
 </p:sld>
 </file>
 
-<file path=ppt/slides/slide6.xml><?xml version="1.0" encoding="utf-8"?>
+<file path=ppt/slides/slide5.xml><?xml version="1.0" encoding="utf-8"?>
 <p:sld xmlns:a="http://schemas.openxmlformats.org/drawingml/2006/main" xmlns:r="http://schemas.openxmlformats.org/officeDocument/2006/relationships" xmlns:p="http://schemas.openxmlformats.org/presentationml/2006/main">
   <p:cSld>
     <p:bg>
@@ -17122,7 +15232,7 @@
 </p:sld>
 </file>
 
-<file path=ppt/slides/slide7.xml><?xml version="1.0" encoding="utf-8"?>
+<file path=ppt/slides/slide6.xml><?xml version="1.0" encoding="utf-8"?>
 <p:sld xmlns:a="http://schemas.openxmlformats.org/drawingml/2006/main" xmlns:r="http://schemas.openxmlformats.org/officeDocument/2006/relationships" xmlns:p="http://schemas.openxmlformats.org/presentationml/2006/main">
   <p:cSld>
     <p:spTree>
@@ -17438,7 +15548,7 @@
 </p:sld>
 </file>
 
-<file path=ppt/slides/slide8.xml><?xml version="1.0" encoding="utf-8"?>
+<file path=ppt/slides/slide7.xml><?xml version="1.0" encoding="utf-8"?>
 <p:sld xmlns:a="http://schemas.openxmlformats.org/drawingml/2006/main" xmlns:r="http://schemas.openxmlformats.org/officeDocument/2006/relationships" xmlns:p="http://schemas.openxmlformats.org/presentationml/2006/main">
   <p:cSld>
     <p:spTree>
@@ -19350,6 +17460,94 @@
 </p:sld>
 </file>
 
+<file path=ppt/slides/slide8.xml><?xml version="1.0" encoding="utf-8"?>
+<p:sld xmlns:a="http://schemas.openxmlformats.org/drawingml/2006/main" xmlns:r="http://schemas.openxmlformats.org/officeDocument/2006/relationships" xmlns:p="http://schemas.openxmlformats.org/presentationml/2006/main">
+  <p:cSld>
+    <p:bg>
+      <p:bgPr>
+        <a:solidFill>
+          <a:srgbClr val="0D80D8"/>
+        </a:solidFill>
+        <a:effectLst/>
+      </p:bgPr>
+    </p:bg>
+    <p:spTree>
+      <p:nvGrpSpPr>
+        <p:cNvPr id="1" name=""/>
+        <p:cNvGrpSpPr/>
+        <p:nvPr/>
+      </p:nvGrpSpPr>
+      <p:grpSpPr>
+        <a:xfrm>
+          <a:off x="0" y="0"/>
+          <a:ext cx="0" cy="0"/>
+          <a:chOff x="0" y="0"/>
+          <a:chExt cx="0" cy="0"/>
+        </a:xfrm>
+      </p:grpSpPr>
+      <p:sp>
+        <p:nvSpPr>
+          <p:cNvPr id="3" name="Title 2">
+            <a:extLst>
+              <a:ext uri="{FF2B5EF4-FFF2-40B4-BE49-F238E27FC236}">
+                <a16:creationId xmlns:a16="http://schemas.microsoft.com/office/drawing/2014/main" id="{F47F6250-0C5D-4E5C-A921-40B7B2345F53}"/>
+              </a:ext>
+            </a:extLst>
+          </p:cNvPr>
+          <p:cNvSpPr>
+            <a:spLocks noGrp="1"/>
+          </p:cNvSpPr>
+          <p:nvPr>
+            <p:ph type="ctrTitle"/>
+          </p:nvPr>
+        </p:nvSpPr>
+        <p:spPr>
+          <a:xfrm>
+            <a:off x="0" y="2552053"/>
+            <a:ext cx="12191999" cy="1177513"/>
+          </a:xfrm>
+        </p:spPr>
+        <p:txBody>
+          <a:bodyPr>
+            <a:noAutofit/>
+          </a:bodyPr>
+          <a:lstStyle/>
+          <a:p>
+            <a:r>
+              <a:rPr lang="en-GB" sz="4200" dirty="0">
+                <a:latin typeface="Roboto" panose="02000000000000000000" pitchFamily="2" charset="0"/>
+                <a:ea typeface="Roboto" panose="02000000000000000000" pitchFamily="2" charset="0"/>
+              </a:rPr>
+              <a:t>What is Octopus Deploy?</a:t>
+            </a:r>
+          </a:p>
+        </p:txBody>
+      </p:sp>
+    </p:spTree>
+    <p:extLst>
+      <p:ext uri="{BB962C8B-B14F-4D97-AF65-F5344CB8AC3E}">
+        <p14:creationId xmlns:p14="http://schemas.microsoft.com/office/powerpoint/2010/main" val="1839734832"/>
+      </p:ext>
+    </p:extLst>
+  </p:cSld>
+  <p:clrMapOvr>
+    <a:masterClrMapping/>
+  </p:clrMapOvr>
+  <mc:AlternateContent xmlns:mc="http://schemas.openxmlformats.org/markup-compatibility/2006" xmlns:p159="http://schemas.microsoft.com/office/powerpoint/2015/09/main">
+    <mc:Choice Requires="p159">
+      <p:transition xmlns:p14="http://schemas.microsoft.com/office/powerpoint/2010/main" spd="slow" p14:dur="2000">
+        <p159:morph option="byObject"/>
+      </p:transition>
+    </mc:Choice>
+    <mc:Fallback xmlns="">
+      <p:transition spd="slow">
+        <p:fade/>
+      </p:transition>
+    </mc:Fallback>
+  </mc:AlternateContent>
+</p:sld>
+</file>
+
 <file path=ppt/slides/slide9.xml><?xml version="1.0" encoding="utf-8"?>
 <p:sld xmlns:a="http://schemas.openxmlformats.org/drawingml/2006/main" xmlns:r="http://schemas.openxmlformats.org/officeDocument/2006/relationships" xmlns:p="http://schemas.openxmlformats.org/presentationml/2006/main">
   <p:cSld>
@@ -19372,7 +17570,7 @@
           <p:cNvPr id="3" name="Title 2">
             <a:extLst>
               <a:ext uri="{FF2B5EF4-FFF2-40B4-BE49-F238E27FC236}">
-                <a16:creationId xmlns:a16="http://schemas.microsoft.com/office/drawing/2014/main" id="{BC4D3C3B-930D-446A-A7F9-9056E9B076B0}"/>
+                <a16:creationId xmlns:a16="http://schemas.microsoft.com/office/drawing/2014/main" id="{56119CF4-05A2-49A0-836B-E32F441AA73E}"/>
               </a:ext>
             </a:extLst>
           </p:cNvPr>
@@ -19396,17 +17594,17 @@
                 <a:latin typeface="Roboto" panose="02000000000000000000" pitchFamily="2" charset="0"/>
                 <a:ea typeface="Roboto" panose="02000000000000000000" pitchFamily="2" charset="0"/>
               </a:rPr>
-              <a:t>When is Azure Bicep the right tool?</a:t>
+              <a:t>What is Octopus Deploy?</a:t>
             </a:r>
           </a:p>
         </p:txBody>
       </p:sp>
       <p:sp>
         <p:nvSpPr>
-          <p:cNvPr id="4" name="TextBox 3">
+          <p:cNvPr id="7" name="TextBox 6">
             <a:extLst>
               <a:ext uri="{FF2B5EF4-FFF2-40B4-BE49-F238E27FC236}">
-                <a16:creationId xmlns:a16="http://schemas.microsoft.com/office/drawing/2014/main" id="{414F86D1-261E-43B5-BF50-C7642880B51F}"/>
+                <a16:creationId xmlns:a16="http://schemas.microsoft.com/office/drawing/2014/main" id="{9387B676-F88B-4082-B9EA-5AB25B364099}"/>
               </a:ext>
             </a:extLst>
           </p:cNvPr>
@@ -19415,8 +17613,8 @@
         </p:nvSpPr>
         <p:spPr>
           <a:xfrm>
-            <a:off x="617579" y="2197433"/>
-            <a:ext cx="6506123" cy="3170099"/>
+            <a:off x="415600" y="3050309"/>
+            <a:ext cx="5791268" cy="1323439"/>
           </a:xfrm>
           <a:prstGeom prst="rect">
             <a:avLst/>
@@ -19424,24 +17622,29 @@
           <a:noFill/>
         </p:spPr>
         <p:txBody>
-          <a:bodyPr wrap="square" rtlCol="0">
+          <a:bodyPr wrap="square">
             <a:spAutoFit/>
           </a:bodyPr>
           <a:lstStyle/>
           <a:p>
+            <a:pPr marL="0" lvl="0" indent="0" algn="l" rtl="0">
+              <a:spcBef>
+                <a:spcPts val="0"/>
+              </a:spcBef>
+              <a:spcAft>
+                <a:spcPts val="0"/>
+              </a:spcAft>
+              <a:buNone/>
+            </a:pPr>
             <a:r>
-              <a:rPr lang="en-GB" sz="2000" b="1" dirty="0">
+              <a:rPr lang="en-GB" sz="2000" b="0" i="0" dirty="0">
+                <a:solidFill>
+                  <a:srgbClr val="11181D"/>
+                </a:solidFill>
+                <a:effectLst/>
                 <a:latin typeface="Roboto" panose="02000000000000000000" pitchFamily="2" charset="0"/>
-                <a:ea typeface="Roboto" panose="02000000000000000000" pitchFamily="2" charset="0"/>
               </a:rPr>
-              <a:t>Azure Support</a:t>
-            </a:r>
-            <a:r>
-              <a:rPr lang="en-GB" sz="2000" dirty="0">
-                <a:latin typeface="Roboto" panose="02000000000000000000" pitchFamily="2" charset="0"/>
-                <a:ea typeface="Roboto" panose="02000000000000000000" pitchFamily="2" charset="0"/>
-              </a:rPr>
-              <a:t>: Bicep is fully </a:t>
+              <a:t>Octopus Deploy is a </a:t>
             </a:r>
             <a:r>
               <a:rPr lang="en-GB" sz="2000" dirty="0">
@@ -19451,101 +17654,37 @@
                 <a:latin typeface="Roboto" panose="02000000000000000000" pitchFamily="2" charset="0"/>
                 <a:ea typeface="Roboto" panose="02000000000000000000" pitchFamily="2" charset="0"/>
               </a:rPr>
-              <a:t>supported</a:t>
+              <a:t>single place </a:t>
             </a:r>
             <a:r>
-              <a:rPr lang="en-GB" sz="2000" dirty="0">
+              <a:rPr lang="en-GB" sz="2000" b="0" i="0" dirty="0">
+                <a:solidFill>
+                  <a:srgbClr val="11181D"/>
+                </a:solidFill>
+                <a:effectLst/>
                 <a:latin typeface="Roboto" panose="02000000000000000000" pitchFamily="2" charset="0"/>
-                <a:ea typeface="Roboto" panose="02000000000000000000" pitchFamily="2" charset="0"/>
               </a:rPr>
-              <a:t> by Microsoft Support. </a:t>
+              <a:t>for your team to manage releases, automate deployments, and automate the runbooks that keep your software operating.</a:t>
             </a:r>
-          </a:p>
-          <a:p>
             <a:endParaRPr lang="en-GB" sz="2000" dirty="0">
+              <a:solidFill>
+                <a:srgbClr val="11181D"/>
+              </a:solidFill>
+              <a:highlight>
+                <a:srgbClr val="FFFFFF"/>
+              </a:highlight>
               <a:latin typeface="Roboto" panose="02000000000000000000" pitchFamily="2" charset="0"/>
               <a:ea typeface="Roboto" panose="02000000000000000000" pitchFamily="2" charset="0"/>
             </a:endParaRPr>
-          </a:p>
-          <a:p>
-            <a:r>
-              <a:rPr lang="en-GB" sz="2000" b="1" dirty="0">
-                <a:latin typeface="Roboto" panose="02000000000000000000" pitchFamily="2" charset="0"/>
-                <a:ea typeface="Roboto" panose="02000000000000000000" pitchFamily="2" charset="0"/>
-              </a:rPr>
-              <a:t>Easy transition from JSON</a:t>
-            </a:r>
-            <a:r>
-              <a:rPr lang="en-GB" sz="2000" dirty="0">
-                <a:latin typeface="Roboto" panose="02000000000000000000" pitchFamily="2" charset="0"/>
-                <a:ea typeface="Roboto" panose="02000000000000000000" pitchFamily="2" charset="0"/>
-              </a:rPr>
-              <a:t>:  If you are already using Azure ARM JSON templates you can </a:t>
-            </a:r>
-            <a:r>
-              <a:rPr lang="en-GB" sz="2000" dirty="0">
-                <a:solidFill>
-                  <a:srgbClr val="0D80D8"/>
-                </a:solidFill>
-                <a:latin typeface="Roboto" panose="02000000000000000000" pitchFamily="2" charset="0"/>
-                <a:ea typeface="Roboto" panose="02000000000000000000" pitchFamily="2" charset="0"/>
-              </a:rPr>
-              <a:t>easily transition </a:t>
-            </a:r>
-            <a:r>
-              <a:rPr lang="en-GB" sz="2000" dirty="0">
-                <a:latin typeface="Roboto" panose="02000000000000000000" pitchFamily="2" charset="0"/>
-                <a:ea typeface="Roboto" panose="02000000000000000000" pitchFamily="2" charset="0"/>
-              </a:rPr>
-              <a:t>to Azure Bicep templates. </a:t>
-            </a:r>
-          </a:p>
-          <a:p>
-            <a:endParaRPr lang="en-GB" sz="2000" dirty="0">
-              <a:latin typeface="Roboto" panose="02000000000000000000" pitchFamily="2" charset="0"/>
-              <a:ea typeface="Roboto" panose="02000000000000000000" pitchFamily="2" charset="0"/>
-            </a:endParaRPr>
-          </a:p>
-          <a:p>
-            <a:r>
-              <a:rPr lang="en-GB" sz="2000" b="1" dirty="0">
-                <a:solidFill>
-                  <a:srgbClr val="000000"/>
-                </a:solidFill>
-                <a:latin typeface="Roboto" panose="02000000000000000000" pitchFamily="2" charset="0"/>
-                <a:ea typeface="Roboto" panose="02000000000000000000" pitchFamily="2" charset="0"/>
-              </a:rPr>
-              <a:t>Azure-native</a:t>
-            </a:r>
-            <a:r>
-              <a:rPr lang="en-GB" sz="2000" dirty="0">
-                <a:solidFill>
-                  <a:srgbClr val="000000"/>
-                </a:solidFill>
-                <a:latin typeface="Roboto" panose="02000000000000000000" pitchFamily="2" charset="0"/>
-                <a:ea typeface="Roboto" panose="02000000000000000000" pitchFamily="2" charset="0"/>
-              </a:rPr>
-              <a:t>: When new Azure resources are released or updated, Bicep will support those features on </a:t>
-            </a:r>
-            <a:r>
-              <a:rPr lang="en-GB" sz="2000" dirty="0">
-                <a:solidFill>
-                  <a:srgbClr val="0D80D8"/>
-                </a:solidFill>
-                <a:latin typeface="Roboto" panose="02000000000000000000" pitchFamily="2" charset="0"/>
-                <a:ea typeface="Roboto" panose="02000000000000000000" pitchFamily="2" charset="0"/>
-              </a:rPr>
-              <a:t>day one. </a:t>
-            </a:r>
           </a:p>
         </p:txBody>
       </p:sp>
       <p:pic>
         <p:nvPicPr>
-          <p:cNvPr id="6" name="Picture 5" descr="Logo&#10;&#10;Description automatically generated">
+          <p:cNvPr id="4" name="Picture 3">
             <a:extLst>
               <a:ext uri="{FF2B5EF4-FFF2-40B4-BE49-F238E27FC236}">
-                <a16:creationId xmlns:a16="http://schemas.microsoft.com/office/drawing/2014/main" id="{DD730DA5-636E-4B93-9330-4A36C11007B5}"/>
+                <a16:creationId xmlns:a16="http://schemas.microsoft.com/office/drawing/2014/main" id="{DC45455E-4A00-499C-A3FC-A57924A8E90D}"/>
               </a:ext>
             </a:extLst>
           </p:cNvPr>
@@ -19555,31 +17694,74 @@
           <p:nvPr/>
         </p:nvPicPr>
         <p:blipFill>
-          <a:blip r:embed="rId2">
-            <a:extLst>
-              <a:ext uri="{28A0092B-C50C-407E-A947-70E740481C1C}">
-                <a14:useLocalDpi xmlns:a14="http://schemas.microsoft.com/office/drawing/2010/main" val="0"/>
-              </a:ext>
-            </a:extLst>
-          </a:blip>
+          <a:blip r:embed="rId3"/>
           <a:stretch>
             <a:fillRect/>
           </a:stretch>
         </p:blipFill>
         <p:spPr>
           <a:xfrm>
-            <a:off x="8662208" y="2074156"/>
-            <a:ext cx="2228355" cy="3962622"/>
+            <a:off x="6370320" y="1875015"/>
+            <a:ext cx="5326379" cy="3550919"/>
           </a:xfrm>
           <a:prstGeom prst="rect">
             <a:avLst/>
           </a:prstGeom>
+          <a:effectLst>
+            <a:outerShdw blurRad="50800" dist="38100" dir="2700000" algn="tl" rotWithShape="0">
+              <a:prstClr val="black">
+                <a:alpha val="40000"/>
+              </a:prstClr>
+            </a:outerShdw>
+          </a:effectLst>
         </p:spPr>
       </p:pic>
+      <p:sp>
+        <p:nvSpPr>
+          <p:cNvPr id="8" name="TextBox 7">
+            <a:extLst>
+              <a:ext uri="{FF2B5EF4-FFF2-40B4-BE49-F238E27FC236}">
+                <a16:creationId xmlns:a16="http://schemas.microsoft.com/office/drawing/2014/main" id="{15D58BF0-9D7D-4355-87EB-A8EBB32C7A03}"/>
+              </a:ext>
+            </a:extLst>
+          </p:cNvPr>
+          <p:cNvSpPr txBox="1"/>
+          <p:nvPr/>
+        </p:nvSpPr>
+        <p:spPr>
+          <a:xfrm>
+            <a:off x="415600" y="2114397"/>
+            <a:ext cx="6119948" cy="400110"/>
+          </a:xfrm>
+          <a:prstGeom prst="rect">
+            <a:avLst/>
+          </a:prstGeom>
+          <a:noFill/>
+        </p:spPr>
+        <p:txBody>
+          <a:bodyPr wrap="square">
+            <a:spAutoFit/>
+          </a:bodyPr>
+          <a:lstStyle/>
+          <a:p>
+            <a:pPr algn="l"/>
+            <a:r>
+              <a:rPr lang="en-GB" sz="2000" b="1" i="0" dirty="0">
+                <a:solidFill>
+                  <a:srgbClr val="11181D"/>
+                </a:solidFill>
+                <a:effectLst/>
+                <a:latin typeface="Roboto" panose="02000000000000000000" pitchFamily="2" charset="0"/>
+              </a:rPr>
+              <a:t>A unified DevOps Automation platform. </a:t>
+            </a:r>
+          </a:p>
+        </p:txBody>
+      </p:sp>
     </p:spTree>
     <p:extLst>
       <p:ext uri="{BB962C8B-B14F-4D97-AF65-F5344CB8AC3E}">
-        <p14:creationId xmlns:p14="http://schemas.microsoft.com/office/powerpoint/2010/main" val="1183472406"/>
+        <p14:creationId xmlns:p14="http://schemas.microsoft.com/office/powerpoint/2010/main" val="204320350"/>
       </p:ext>
     </p:extLst>
   </p:cSld>
